--- a/Spieleprogrammierung_Abschlusspräsentation.pptx
+++ b/Spieleprogrammierung_Abschlusspräsentation.pptx
@@ -260,7 +260,7 @@
           <a:p>
             <a:fld id="{2395C5C9-164C-46B3-A87E-7660D39D3106}" type="datetime2">
               <a:rPr lang="en-US" smtClean="0"/>
-              <a:t>Wednesday, January 17, 2024</a:t>
+              <a:t>Thursday, January 18, 2024</a:t>
             </a:fld>
             <a:endParaRPr lang="en-US" dirty="0"/>
           </a:p>
@@ -463,7 +463,7 @@
           <a:p>
             <a:fld id="{5B75179A-1E2B-41AB-B400-4F1B4022FAEE}" type="datetime2">
               <a:rPr lang="en-US" smtClean="0"/>
-              <a:t>Wednesday, January 17, 2024</a:t>
+              <a:t>Thursday, January 18, 2024</a:t>
             </a:fld>
             <a:endParaRPr lang="en-US"/>
           </a:p>
@@ -676,7 +676,7 @@
           <a:p>
             <a:fld id="{05681D0F-6595-4F14-8EF3-954CD87C797B}" type="datetime2">
               <a:rPr lang="en-US" smtClean="0"/>
-              <a:t>Wednesday, January 17, 2024</a:t>
+              <a:t>Thursday, January 18, 2024</a:t>
             </a:fld>
             <a:endParaRPr lang="en-US"/>
           </a:p>
@@ -878,7 +878,7 @@
           <a:p>
             <a:fld id="{4DDCFF8A-AAF8-4A12-8A91-9CA0EAF6CBB9}" type="datetime2">
               <a:rPr lang="en-US" smtClean="0"/>
-              <a:t>Wednesday, January 17, 2024</a:t>
+              <a:t>Thursday, January 18, 2024</a:t>
             </a:fld>
             <a:endParaRPr lang="en-US" dirty="0"/>
           </a:p>
@@ -1157,7 +1157,7 @@
           <a:p>
             <a:fld id="{ABCC25C3-021A-4B0B-8F70-0C181FE1CF45}" type="datetime2">
               <a:rPr lang="en-US" smtClean="0"/>
-              <a:t>Wednesday, January 17, 2024</a:t>
+              <a:t>Thursday, January 18, 2024</a:t>
             </a:fld>
             <a:endParaRPr lang="en-US"/>
           </a:p>
@@ -1417,7 +1417,7 @@
           <a:p>
             <a:fld id="{0C23D88D-8CEC-4ED9-A53B-5596187D9A16}" type="datetime2">
               <a:rPr lang="en-US" smtClean="0"/>
-              <a:t>Wednesday, January 17, 2024</a:t>
+              <a:t>Thursday, January 18, 2024</a:t>
             </a:fld>
             <a:endParaRPr lang="en-US"/>
           </a:p>
@@ -1833,7 +1833,7 @@
           <a:p>
             <a:fld id="{D2CCD382-DFDA-4722-A27A-59C21AD112F2}" type="datetime2">
               <a:rPr lang="en-US" smtClean="0"/>
-              <a:t>Wednesday, January 17, 2024</a:t>
+              <a:t>Thursday, January 18, 2024</a:t>
             </a:fld>
             <a:endParaRPr lang="en-US"/>
           </a:p>
@@ -1978,7 +1978,7 @@
           <a:p>
             <a:fld id="{22F2A30D-1C09-413F-AAB1-38F366000715}" type="datetime2">
               <a:rPr lang="en-US" smtClean="0"/>
-              <a:t>Wednesday, January 17, 2024</a:t>
+              <a:t>Thursday, January 18, 2024</a:t>
             </a:fld>
             <a:endParaRPr lang="en-US"/>
           </a:p>
@@ -2100,7 +2100,7 @@
           <a:p>
             <a:fld id="{6DB82B9C-D65E-4F64-95C3-B10F3B00F0D9}" type="datetime2">
               <a:rPr lang="en-US" smtClean="0"/>
-              <a:t>Wednesday, January 17, 2024</a:t>
+              <a:t>Thursday, January 18, 2024</a:t>
             </a:fld>
             <a:endParaRPr lang="en-US"/>
           </a:p>
@@ -2423,7 +2423,7 @@
           <a:p>
             <a:fld id="{B7F5FDCC-6AAC-4A08-B9E0-3793AB5E64C3}" type="datetime2">
               <a:rPr lang="en-US" smtClean="0"/>
-              <a:t>Wednesday, January 17, 2024</a:t>
+              <a:t>Thursday, January 18, 2024</a:t>
             </a:fld>
             <a:endParaRPr lang="en-US"/>
           </a:p>
@@ -2711,7 +2711,7 @@
           <a:p>
             <a:fld id="{349FE94D-439C-40F1-900E-BC07940E3988}" type="datetime2">
               <a:rPr lang="en-US" smtClean="0"/>
-              <a:t>Wednesday, January 17, 2024</a:t>
+              <a:t>Thursday, January 18, 2024</a:t>
             </a:fld>
             <a:endParaRPr lang="en-US"/>
           </a:p>
@@ -2999,7 +2999,7 @@
           <a:p>
             <a:fld id="{8DEA2CF1-0EB2-4673-802D-3371233E4A77}" type="datetime2">
               <a:rPr lang="en-US" smtClean="0"/>
-              <a:t>Wednesday, January 17, 2024</a:t>
+              <a:t>Thursday, January 18, 2024</a:t>
             </a:fld>
             <a:endParaRPr lang="en-US" dirty="0"/>
           </a:p>
@@ -5311,6 +5311,14 @@
 <file path=ppt/slides/slide4.xml><?xml version="1.0" encoding="utf-8"?>
 <p:sld xmlns:a="http://schemas.openxmlformats.org/drawingml/2006/main" xmlns:r="http://schemas.openxmlformats.org/officeDocument/2006/relationships" xmlns:p="http://schemas.openxmlformats.org/presentationml/2006/main">
   <p:cSld>
+    <p:bg>
+      <p:bgPr>
+        <a:solidFill>
+          <a:schemeClr val="bg2"/>
+        </a:solidFill>
+        <a:effectLst/>
+      </p:bgPr>
+    </p:bg>
     <p:spTree>
       <p:nvGrpSpPr>
         <p:cNvPr id="1" name=""/>
@@ -5325,6 +5333,138 @@
           <a:chExt cx="0" cy="0"/>
         </a:xfrm>
       </p:grpSpPr>
+      <p:sp useBgFill="1">
+        <p:nvSpPr>
+          <p:cNvPr id="66" name="Rectangle 65">
+            <a:extLst>
+              <a:ext uri="{FF2B5EF4-FFF2-40B4-BE49-F238E27FC236}">
+                <a16:creationId xmlns:a16="http://schemas.microsoft.com/office/drawing/2014/main" id="{57FD0D75-1382-4CB8-BFB1-972F6DF554D3}"/>
+              </a:ext>
+              <a:ext uri="{C183D7F6-B498-43B3-948B-1728B52AA6E4}">
+                <adec:decorative xmlns:adec="http://schemas.microsoft.com/office/drawing/2017/decorative" val="1"/>
+              </a:ext>
+            </a:extLst>
+          </p:cNvPr>
+          <p:cNvSpPr>
+            <a:spLocks noGrp="1" noRot="1" noChangeAspect="1" noMove="1" noResize="1" noEditPoints="1" noAdjustHandles="1" noChangeArrowheads="1" noChangeShapeType="1" noTextEdit="1"/>
+          </p:cNvSpPr>
+          <p:nvPr>
+            <p:extLst>
+              <p:ext uri="{386F3935-93C4-4BCD-93E2-E3B085C9AB24}">
+                <p16:designElem xmlns:p16="http://schemas.microsoft.com/office/powerpoint/2015/main" val="1"/>
+              </p:ext>
+            </p:extLst>
+          </p:nvPr>
+        </p:nvSpPr>
+        <p:spPr>
+          <a:xfrm>
+            <a:off x="0" y="0"/>
+            <a:ext cx="12192000" cy="6858000"/>
+          </a:xfrm>
+          <a:prstGeom prst="rect">
+            <a:avLst/>
+          </a:prstGeom>
+          <a:ln w="12700" cap="flat" cmpd="sng" algn="ctr">
+            <a:noFill/>
+            <a:prstDash val="solid"/>
+            <a:miter lim="800000"/>
+          </a:ln>
+          <a:effectLst/>
+        </p:spPr>
+        <p:style>
+          <a:lnRef idx="2">
+            <a:schemeClr val="accent1">
+              <a:shade val="50000"/>
+            </a:schemeClr>
+          </a:lnRef>
+          <a:fillRef idx="1">
+            <a:schemeClr val="accent1"/>
+          </a:fillRef>
+          <a:effectRef idx="0">
+            <a:schemeClr val="accent1"/>
+          </a:effectRef>
+          <a:fontRef idx="minor">
+            <a:schemeClr val="lt1"/>
+          </a:fontRef>
+        </p:style>
+        <p:txBody>
+          <a:bodyPr rtlCol="0" anchor="ctr"/>
+          <a:lstStyle/>
+          <a:p>
+            <a:pPr algn="ctr"/>
+            <a:endParaRPr lang="en-US"/>
+          </a:p>
+        </p:txBody>
+      </p:sp>
+      <p:sp>
+        <p:nvSpPr>
+          <p:cNvPr id="67" name="Rectangle 66">
+            <a:extLst>
+              <a:ext uri="{FF2B5EF4-FFF2-40B4-BE49-F238E27FC236}">
+                <a16:creationId xmlns:a16="http://schemas.microsoft.com/office/drawing/2014/main" id="{B45424FD-F6A1-4096-9DD4-4411854956E1}"/>
+              </a:ext>
+              <a:ext uri="{C183D7F6-B498-43B3-948B-1728B52AA6E4}">
+                <adec:decorative xmlns:adec="http://schemas.microsoft.com/office/drawing/2017/decorative" val="1"/>
+              </a:ext>
+            </a:extLst>
+          </p:cNvPr>
+          <p:cNvSpPr>
+            <a:spLocks noGrp="1" noRot="1" noChangeAspect="1" noMove="1" noResize="1" noEditPoints="1" noAdjustHandles="1" noChangeArrowheads="1" noChangeShapeType="1" noTextEdit="1"/>
+          </p:cNvSpPr>
+          <p:nvPr>
+            <p:extLst>
+              <p:ext uri="{386F3935-93C4-4BCD-93E2-E3B085C9AB24}">
+                <p16:designElem xmlns:p16="http://schemas.microsoft.com/office/powerpoint/2015/main" val="1"/>
+              </p:ext>
+            </p:extLst>
+          </p:nvPr>
+        </p:nvSpPr>
+        <p:spPr>
+          <a:xfrm>
+            <a:off x="0" y="0"/>
+            <a:ext cx="12192000" cy="6858000"/>
+          </a:xfrm>
+          <a:prstGeom prst="rect">
+            <a:avLst/>
+          </a:prstGeom>
+          <a:solidFill>
+            <a:schemeClr val="bg2">
+              <a:lumMod val="90000"/>
+              <a:lumOff val="10000"/>
+            </a:schemeClr>
+          </a:solidFill>
+          <a:ln w="12700" cap="flat" cmpd="sng" algn="ctr">
+            <a:noFill/>
+            <a:prstDash val="solid"/>
+            <a:miter lim="800000"/>
+          </a:ln>
+          <a:effectLst/>
+        </p:spPr>
+        <p:style>
+          <a:lnRef idx="2">
+            <a:schemeClr val="accent1">
+              <a:shade val="50000"/>
+            </a:schemeClr>
+          </a:lnRef>
+          <a:fillRef idx="1">
+            <a:schemeClr val="accent1"/>
+          </a:fillRef>
+          <a:effectRef idx="0">
+            <a:schemeClr val="accent1"/>
+          </a:effectRef>
+          <a:fontRef idx="minor">
+            <a:schemeClr val="lt1"/>
+          </a:fontRef>
+        </p:style>
+        <p:txBody>
+          <a:bodyPr rtlCol="0" anchor="ctr"/>
+          <a:lstStyle/>
+          <a:p>
+            <a:pPr algn="ctr"/>
+            <a:endParaRPr lang="en-US"/>
+          </a:p>
+        </p:txBody>
+      </p:sp>
       <p:sp>
         <p:nvSpPr>
           <p:cNvPr id="2" name="Titel 1">
@@ -5341,13 +5481,20 @@
             <p:ph type="title"/>
           </p:nvPr>
         </p:nvSpPr>
-        <p:spPr/>
-        <p:txBody>
-          <a:bodyPr/>
+        <p:spPr>
+          <a:xfrm>
+            <a:off x="720000" y="619200"/>
+            <a:ext cx="4991961" cy="1477328"/>
+          </a:xfrm>
+        </p:spPr>
+        <p:txBody>
+          <a:bodyPr wrap="square" anchor="ctr">
+            <a:normAutofit/>
+          </a:bodyPr>
           <a:lstStyle/>
           <a:p>
             <a:r>
-              <a:rPr lang="de-DE" dirty="0"/>
+              <a:rPr lang="de-DE"/>
               <a:t>Erste Ergebnisse</a:t>
             </a:r>
           </a:p>
@@ -5355,10 +5502,10 @@
       </p:sp>
       <p:sp>
         <p:nvSpPr>
-          <p:cNvPr id="3" name="Inhaltsplatzhalter 2">
+          <p:cNvPr id="12" name="Content Placeholder 11">
             <a:extLst>
               <a:ext uri="{FF2B5EF4-FFF2-40B4-BE49-F238E27FC236}">
-                <a16:creationId xmlns:a16="http://schemas.microsoft.com/office/drawing/2014/main" id="{E731498D-DB94-0330-5F9C-4136FAF3F8DD}"/>
+                <a16:creationId xmlns:a16="http://schemas.microsoft.com/office/drawing/2014/main" id="{0558226E-3B21-0E5A-3783-2B0066C26F6B}"/>
               </a:ext>
             </a:extLst>
           </p:cNvPr>
@@ -5369,21 +5516,236 @@
             <p:ph idx="1"/>
           </p:nvPr>
         </p:nvSpPr>
-        <p:spPr/>
-        <p:txBody>
-          <a:bodyPr/>
+        <p:spPr>
+          <a:xfrm>
+            <a:off x="720000" y="2552700"/>
+            <a:ext cx="4991962" cy="3216273"/>
+          </a:xfrm>
+        </p:spPr>
+        <p:txBody>
+          <a:bodyPr>
+            <a:normAutofit/>
+          </a:bodyPr>
           <a:lstStyle/>
           <a:p>
-            <a:endParaRPr lang="de-DE" dirty="0"/>
+            <a:r>
+              <a:rPr lang="en-US"/>
+              <a:t>Unterschiedliche Level basierend auf verschiedene Gebiete </a:t>
+            </a:r>
+          </a:p>
+          <a:p>
+            <a:r>
+              <a:rPr lang="en-US"/>
+              <a:t>Variierende Gegnermechaniken</a:t>
+            </a:r>
+          </a:p>
+          <a:p>
+            <a:r>
+              <a:rPr lang="en-US"/>
+              <a:t>Collectables</a:t>
+            </a:r>
+            <a:endParaRPr lang="en-US" dirty="0"/>
+          </a:p>
+        </p:txBody>
+      </p:sp>
+      <p:sp useBgFill="1">
+        <p:nvSpPr>
+          <p:cNvPr id="68" name="Freeform: Shape 67">
+            <a:extLst>
+              <a:ext uri="{FF2B5EF4-FFF2-40B4-BE49-F238E27FC236}">
+                <a16:creationId xmlns:a16="http://schemas.microsoft.com/office/drawing/2014/main" id="{D7E55FD5-B961-45FE-A940-4A462DE8CB4F}"/>
+              </a:ext>
+              <a:ext uri="{C183D7F6-B498-43B3-948B-1728B52AA6E4}">
+                <adec:decorative xmlns:adec="http://schemas.microsoft.com/office/drawing/2017/decorative" val="1"/>
+              </a:ext>
+            </a:extLst>
+          </p:cNvPr>
+          <p:cNvSpPr>
+            <a:spLocks noGrp="1" noRot="1" noChangeAspect="1" noMove="1" noResize="1" noEditPoints="1" noAdjustHandles="1" noChangeArrowheads="1" noChangeShapeType="1" noTextEdit="1"/>
+          </p:cNvSpPr>
+          <p:nvPr>
+            <p:extLst>
+              <p:ext uri="{386F3935-93C4-4BCD-93E2-E3B085C9AB24}">
+                <p16:designElem xmlns:p16="http://schemas.microsoft.com/office/powerpoint/2015/main" val="1"/>
+              </p:ext>
+            </p:extLst>
+          </p:nvPr>
+        </p:nvSpPr>
+        <p:spPr bwMode="auto">
+          <a:xfrm rot="5400000" flipV="1">
+            <a:off x="5867335" y="533334"/>
+            <a:ext cx="6858000" cy="5791331"/>
+          </a:xfrm>
+          <a:custGeom>
+            <a:avLst/>
+            <a:gdLst>
+              <a:gd name="connsiteX0" fmla="*/ 6858000 w 6858000"/>
+              <a:gd name="connsiteY0" fmla="*/ 14535 h 5791331"/>
+              <a:gd name="connsiteX1" fmla="*/ 6858000 w 6858000"/>
+              <a:gd name="connsiteY1" fmla="*/ 5791331 h 5791331"/>
+              <a:gd name="connsiteX2" fmla="*/ 0 w 6858000"/>
+              <a:gd name="connsiteY2" fmla="*/ 5791330 h 5791331"/>
+              <a:gd name="connsiteX3" fmla="*/ 0 w 6858000"/>
+              <a:gd name="connsiteY3" fmla="*/ 0 h 5791331"/>
+              <a:gd name="connsiteX4" fmla="*/ 145832 w 6858000"/>
+              <a:gd name="connsiteY4" fmla="*/ 1175 h 5791331"/>
+              <a:gd name="connsiteX5" fmla="*/ 2611132 w 6858000"/>
+              <a:gd name="connsiteY5" fmla="*/ 48625 h 5791331"/>
+              <a:gd name="connsiteX6" fmla="*/ 6643031 w 6858000"/>
+              <a:gd name="connsiteY6" fmla="*/ 15010 h 5791331"/>
+              <a:gd name="connsiteX0" fmla="*/ 6858000 w 6858000"/>
+              <a:gd name="connsiteY0" fmla="*/ 14535 h 5791331"/>
+              <a:gd name="connsiteX1" fmla="*/ 6858000 w 6858000"/>
+              <a:gd name="connsiteY1" fmla="*/ 5791331 h 5791331"/>
+              <a:gd name="connsiteX2" fmla="*/ 0 w 6858000"/>
+              <a:gd name="connsiteY2" fmla="*/ 5791330 h 5791331"/>
+              <a:gd name="connsiteX3" fmla="*/ 0 w 6858000"/>
+              <a:gd name="connsiteY3" fmla="*/ 0 h 5791331"/>
+              <a:gd name="connsiteX4" fmla="*/ 145832 w 6858000"/>
+              <a:gd name="connsiteY4" fmla="*/ 1175 h 5791331"/>
+              <a:gd name="connsiteX5" fmla="*/ 2611132 w 6858000"/>
+              <a:gd name="connsiteY5" fmla="*/ 48625 h 5791331"/>
+              <a:gd name="connsiteX6" fmla="*/ 6643031 w 6858000"/>
+              <a:gd name="connsiteY6" fmla="*/ 15010 h 5791331"/>
+              <a:gd name="connsiteX7" fmla="*/ 6858000 w 6858000"/>
+              <a:gd name="connsiteY7" fmla="*/ 14535 h 5791331"/>
+              <a:gd name="connsiteX0" fmla="*/ 6858000 w 6858000"/>
+              <a:gd name="connsiteY0" fmla="*/ 14535 h 5791331"/>
+              <a:gd name="connsiteX1" fmla="*/ 6858000 w 6858000"/>
+              <a:gd name="connsiteY1" fmla="*/ 5791331 h 5791331"/>
+              <a:gd name="connsiteX2" fmla="*/ 0 w 6858000"/>
+              <a:gd name="connsiteY2" fmla="*/ 5791330 h 5791331"/>
+              <a:gd name="connsiteX3" fmla="*/ 0 w 6858000"/>
+              <a:gd name="connsiteY3" fmla="*/ 0 h 5791331"/>
+              <a:gd name="connsiteX4" fmla="*/ 145832 w 6858000"/>
+              <a:gd name="connsiteY4" fmla="*/ 1175 h 5791331"/>
+              <a:gd name="connsiteX5" fmla="*/ 2611132 w 6858000"/>
+              <a:gd name="connsiteY5" fmla="*/ 48625 h 5791331"/>
+              <a:gd name="connsiteX6" fmla="*/ 6643031 w 6858000"/>
+              <a:gd name="connsiteY6" fmla="*/ 15010 h 5791331"/>
+              <a:gd name="connsiteX7" fmla="*/ 6858000 w 6858000"/>
+              <a:gd name="connsiteY7" fmla="*/ 14535 h 5791331"/>
+              <a:gd name="connsiteX0" fmla="*/ 6858000 w 6858000"/>
+              <a:gd name="connsiteY0" fmla="*/ 14535 h 5791331"/>
+              <a:gd name="connsiteX1" fmla="*/ 6858000 w 6858000"/>
+              <a:gd name="connsiteY1" fmla="*/ 5791331 h 5791331"/>
+              <a:gd name="connsiteX2" fmla="*/ 0 w 6858000"/>
+              <a:gd name="connsiteY2" fmla="*/ 5791330 h 5791331"/>
+              <a:gd name="connsiteX3" fmla="*/ 0 w 6858000"/>
+              <a:gd name="connsiteY3" fmla="*/ 0 h 5791331"/>
+              <a:gd name="connsiteX4" fmla="*/ 145832 w 6858000"/>
+              <a:gd name="connsiteY4" fmla="*/ 1175 h 5791331"/>
+              <a:gd name="connsiteX5" fmla="*/ 2233764 w 6858000"/>
+              <a:gd name="connsiteY5" fmla="*/ 19600 h 5791331"/>
+              <a:gd name="connsiteX6" fmla="*/ 6643031 w 6858000"/>
+              <a:gd name="connsiteY6" fmla="*/ 15010 h 5791331"/>
+              <a:gd name="connsiteX7" fmla="*/ 6858000 w 6858000"/>
+              <a:gd name="connsiteY7" fmla="*/ 14535 h 5791331"/>
+            </a:gdLst>
+            <a:ahLst/>
+            <a:cxnLst>
+              <a:cxn ang="0">
+                <a:pos x="connsiteX0" y="connsiteY0"/>
+              </a:cxn>
+              <a:cxn ang="0">
+                <a:pos x="connsiteX1" y="connsiteY1"/>
+              </a:cxn>
+              <a:cxn ang="0">
+                <a:pos x="connsiteX2" y="connsiteY2"/>
+              </a:cxn>
+              <a:cxn ang="0">
+                <a:pos x="connsiteX3" y="connsiteY3"/>
+              </a:cxn>
+              <a:cxn ang="0">
+                <a:pos x="connsiteX4" y="connsiteY4"/>
+              </a:cxn>
+              <a:cxn ang="0">
+                <a:pos x="connsiteX5" y="connsiteY5"/>
+              </a:cxn>
+              <a:cxn ang="0">
+                <a:pos x="connsiteX6" y="connsiteY6"/>
+              </a:cxn>
+              <a:cxn ang="0">
+                <a:pos x="connsiteX7" y="connsiteY7"/>
+              </a:cxn>
+            </a:cxnLst>
+            <a:rect l="l" t="t" r="r" b="b"/>
+            <a:pathLst>
+              <a:path w="6858000" h="5791331">
+                <a:moveTo>
+                  <a:pt x="6858000" y="14535"/>
+                </a:moveTo>
+                <a:lnTo>
+                  <a:pt x="6858000" y="5791331"/>
+                </a:lnTo>
+                <a:lnTo>
+                  <a:pt x="0" y="5791330"/>
+                </a:lnTo>
+                <a:lnTo>
+                  <a:pt x="0" y="0"/>
+                </a:lnTo>
+                <a:lnTo>
+                  <a:pt x="145832" y="1175"/>
+                </a:lnTo>
+                <a:lnTo>
+                  <a:pt x="2233764" y="19600"/>
+                </a:lnTo>
+                <a:cubicBezTo>
+                  <a:pt x="2933352" y="33230"/>
+                  <a:pt x="5032814" y="16325"/>
+                  <a:pt x="6643031" y="15010"/>
+                </a:cubicBezTo>
+                <a:lnTo>
+                  <a:pt x="6858000" y="14535"/>
+                </a:lnTo>
+                <a:close/>
+              </a:path>
+            </a:pathLst>
+          </a:custGeom>
+          <a:ln w="12700" cap="flat" cmpd="sng" algn="ctr">
+            <a:noFill/>
+            <a:prstDash val="solid"/>
+            <a:miter lim="800000"/>
+          </a:ln>
+          <a:effectLst/>
+        </p:spPr>
+        <p:style>
+          <a:lnRef idx="2">
+            <a:schemeClr val="accent1">
+              <a:shade val="50000"/>
+            </a:schemeClr>
+          </a:lnRef>
+          <a:fillRef idx="1">
+            <a:schemeClr val="accent1"/>
+          </a:fillRef>
+          <a:effectRef idx="0">
+            <a:schemeClr val="accent1"/>
+          </a:effectRef>
+          <a:fontRef idx="minor">
+            <a:schemeClr val="lt1"/>
+          </a:fontRef>
+        </p:style>
+        <p:txBody>
+          <a:bodyPr wrap="square" rtlCol="0" anchor="ctr">
+            <a:noAutofit/>
+          </a:bodyPr>
+          <a:lstStyle/>
+          <a:p>
+            <a:pPr algn="ctr"/>
+            <a:endParaRPr lang="en-US" dirty="0">
+              <a:solidFill>
+                <a:schemeClr val="lt1"/>
+              </a:solidFill>
+            </a:endParaRPr>
           </a:p>
         </p:txBody>
       </p:sp>
       <p:pic>
         <p:nvPicPr>
-          <p:cNvPr id="7" name="Picture 6">
+          <p:cNvPr id="8" name="Picture 7" descr="A video game screen with a cave and a cave&#10;&#10;Description automatically generated">
             <a:extLst>
               <a:ext uri="{FF2B5EF4-FFF2-40B4-BE49-F238E27FC236}">
-                <a16:creationId xmlns:a16="http://schemas.microsoft.com/office/drawing/2014/main" id="{768DA77D-9F78-CC57-A909-73C6AF6B38BE}"/>
+                <a16:creationId xmlns:a16="http://schemas.microsoft.com/office/drawing/2014/main" id="{9CDFD3EE-7498-CA27-16AF-785D219413ED}"/>
               </a:ext>
             </a:extLst>
           </p:cNvPr>
@@ -5392,20 +5754,102 @@
           </p:cNvPicPr>
           <p:nvPr/>
         </p:nvPicPr>
-        <p:blipFill>
-          <a:blip r:embed="rId2"/>
-          <a:stretch>
-            <a:fillRect/>
-          </a:stretch>
+        <p:blipFill rotWithShape="1">
+          <a:blip r:embed="rId2">
+            <a:extLst>
+              <a:ext uri="{28A0092B-C50C-407E-A947-70E740481C1C}">
+                <a14:useLocalDpi xmlns:a14="http://schemas.microsoft.com/office/drawing/2010/main" val="0"/>
+              </a:ext>
+            </a:extLst>
+          </a:blip>
+          <a:srcRect l="529" r="10323" b="-3"/>
+          <a:stretch/>
         </p:blipFill>
         <p:spPr>
           <a:xfrm>
-            <a:off x="743675" y="1437735"/>
-            <a:ext cx="7180930" cy="3540097"/>
-          </a:xfrm>
-          <a:prstGeom prst="rect">
+            <a:off x="7164324" y="735441"/>
+            <a:ext cx="4295839" cy="2493788"/>
+          </a:xfrm>
+          <a:custGeom>
             <a:avLst/>
-          </a:prstGeom>
+            <a:gdLst/>
+            <a:ahLst/>
+            <a:cxnLst/>
+            <a:rect l="l" t="t" r="r" b="b"/>
+            <a:pathLst>
+              <a:path w="4295839" h="2524669">
+                <a:moveTo>
+                  <a:pt x="0" y="0"/>
+                </a:moveTo>
+                <a:lnTo>
+                  <a:pt x="4295839" y="0"/>
+                </a:lnTo>
+                <a:lnTo>
+                  <a:pt x="4295839" y="2524669"/>
+                </a:lnTo>
+                <a:lnTo>
+                  <a:pt x="0" y="2524669"/>
+                </a:lnTo>
+                <a:close/>
+              </a:path>
+            </a:pathLst>
+          </a:custGeom>
+        </p:spPr>
+      </p:pic>
+      <p:pic>
+        <p:nvPicPr>
+          <p:cNvPr id="5" name="Content Placeholder 4" descr="A video game screen with a wooden house and trees&#10;&#10;Description automatically generated">
+            <a:extLst>
+              <a:ext uri="{FF2B5EF4-FFF2-40B4-BE49-F238E27FC236}">
+                <a16:creationId xmlns:a16="http://schemas.microsoft.com/office/drawing/2014/main" id="{D30434C3-5DFC-3B86-0A3D-F13D3636AFAA}"/>
+              </a:ext>
+            </a:extLst>
+          </p:cNvPr>
+          <p:cNvPicPr>
+            <a:picLocks noChangeAspect="1"/>
+          </p:cNvPicPr>
+          <p:nvPr/>
+        </p:nvPicPr>
+        <p:blipFill rotWithShape="1">
+          <a:blip r:embed="rId3">
+            <a:extLst>
+              <a:ext uri="{28A0092B-C50C-407E-A947-70E740481C1C}">
+                <a14:useLocalDpi xmlns:a14="http://schemas.microsoft.com/office/drawing/2010/main" val="0"/>
+              </a:ext>
+            </a:extLst>
+          </a:blip>
+          <a:srcRect l="1532" r="14523"/>
+          <a:stretch/>
+        </p:blipFill>
+        <p:spPr>
+          <a:xfrm>
+            <a:off x="7192909" y="3604670"/>
+            <a:ext cx="4238666" cy="2524669"/>
+          </a:xfrm>
+          <a:custGeom>
+            <a:avLst/>
+            <a:gdLst/>
+            <a:ahLst/>
+            <a:cxnLst/>
+            <a:rect l="l" t="t" r="r" b="b"/>
+            <a:pathLst>
+              <a:path w="4295839" h="2524669">
+                <a:moveTo>
+                  <a:pt x="0" y="0"/>
+                </a:moveTo>
+                <a:lnTo>
+                  <a:pt x="4295839" y="0"/>
+                </a:lnTo>
+                <a:lnTo>
+                  <a:pt x="4295839" y="2524669"/>
+                </a:lnTo>
+                <a:lnTo>
+                  <a:pt x="0" y="2524669"/>
+                </a:lnTo>
+                <a:close/>
+              </a:path>
+            </a:pathLst>
+          </a:custGeom>
         </p:spPr>
       </p:pic>
     </p:spTree>

--- a/Spieleprogrammierung_Abschlusspräsentation.pptx
+++ b/Spieleprogrammierung_Abschlusspräsentation.pptx
@@ -9,8 +9,10 @@
     <p:sldId id="257" r:id="rId3"/>
     <p:sldId id="258" r:id="rId4"/>
     <p:sldId id="259" r:id="rId5"/>
-    <p:sldId id="263" r:id="rId6"/>
-    <p:sldId id="262" r:id="rId7"/>
+    <p:sldId id="265" r:id="rId6"/>
+    <p:sldId id="263" r:id="rId7"/>
+    <p:sldId id="264" r:id="rId8"/>
+    <p:sldId id="262" r:id="rId9"/>
   </p:sldIdLst>
   <p:sldSz cx="12192000" cy="6858000"/>
   <p:notesSz cx="6858000" cy="9144000"/>
@@ -5868,6 +5870,14 @@
 <file path=ppt/slides/slide5.xml><?xml version="1.0" encoding="utf-8"?>
 <p:sld xmlns:a="http://schemas.openxmlformats.org/drawingml/2006/main" xmlns:r="http://schemas.openxmlformats.org/officeDocument/2006/relationships" xmlns:p="http://schemas.openxmlformats.org/presentationml/2006/main">
   <p:cSld>
+    <p:bg>
+      <p:bgPr>
+        <a:solidFill>
+          <a:schemeClr val="bg2"/>
+        </a:solidFill>
+        <a:effectLst/>
+      </p:bgPr>
+    </p:bg>
     <p:spTree>
       <p:nvGrpSpPr>
         <p:cNvPr id="1" name=""/>
@@ -5884,6 +5894,1779 @@
       </p:grpSpPr>
       <p:sp>
         <p:nvSpPr>
+          <p:cNvPr id="37" name="Rectangle 36">
+            <a:extLst>
+              <a:ext uri="{FF2B5EF4-FFF2-40B4-BE49-F238E27FC236}">
+                <a16:creationId xmlns:a16="http://schemas.microsoft.com/office/drawing/2014/main" id="{09646535-AEF6-4883-A4F9-EEC1F8B4319E}"/>
+              </a:ext>
+              <a:ext uri="{C183D7F6-B498-43B3-948B-1728B52AA6E4}">
+                <adec:decorative xmlns:adec="http://schemas.microsoft.com/office/drawing/2017/decorative" val="1"/>
+              </a:ext>
+            </a:extLst>
+          </p:cNvPr>
+          <p:cNvSpPr>
+            <a:spLocks noGrp="1" noRot="1" noChangeAspect="1" noMove="1" noResize="1" noEditPoints="1" noAdjustHandles="1" noChangeArrowheads="1" noChangeShapeType="1" noTextEdit="1"/>
+          </p:cNvSpPr>
+          <p:nvPr>
+            <p:extLst>
+              <p:ext uri="{386F3935-93C4-4BCD-93E2-E3B085C9AB24}">
+                <p16:designElem xmlns:p16="http://schemas.microsoft.com/office/powerpoint/2015/main" val="1"/>
+              </p:ext>
+            </p:extLst>
+          </p:nvPr>
+        </p:nvSpPr>
+        <p:spPr>
+          <a:xfrm>
+            <a:off x="0" y="0"/>
+            <a:ext cx="12192000" cy="6858000"/>
+          </a:xfrm>
+          <a:prstGeom prst="rect">
+            <a:avLst/>
+          </a:prstGeom>
+          <a:solidFill>
+            <a:schemeClr val="bg2">
+              <a:lumMod val="90000"/>
+              <a:lumOff val="10000"/>
+            </a:schemeClr>
+          </a:solidFill>
+          <a:ln w="12700" cap="flat" cmpd="sng" algn="ctr">
+            <a:noFill/>
+            <a:prstDash val="solid"/>
+            <a:miter lim="800000"/>
+          </a:ln>
+          <a:effectLst/>
+        </p:spPr>
+        <p:style>
+          <a:lnRef idx="2">
+            <a:schemeClr val="accent1">
+              <a:shade val="50000"/>
+            </a:schemeClr>
+          </a:lnRef>
+          <a:fillRef idx="1">
+            <a:schemeClr val="accent1"/>
+          </a:fillRef>
+          <a:effectRef idx="0">
+            <a:schemeClr val="accent1"/>
+          </a:effectRef>
+          <a:fontRef idx="minor">
+            <a:schemeClr val="lt1"/>
+          </a:fontRef>
+        </p:style>
+        <p:txBody>
+          <a:bodyPr rtlCol="0" anchor="ctr"/>
+          <a:lstStyle/>
+          <a:p>
+            <a:pPr algn="ctr"/>
+            <a:endParaRPr lang="en-US"/>
+          </a:p>
+        </p:txBody>
+      </p:sp>
+      <p:sp useBgFill="1">
+        <p:nvSpPr>
+          <p:cNvPr id="38" name="Rectangle 37">
+            <a:extLst>
+              <a:ext uri="{FF2B5EF4-FFF2-40B4-BE49-F238E27FC236}">
+                <a16:creationId xmlns:a16="http://schemas.microsoft.com/office/drawing/2014/main" id="{1A30028F-1DEC-4932-8170-7E4472771461}"/>
+              </a:ext>
+              <a:ext uri="{C183D7F6-B498-43B3-948B-1728B52AA6E4}">
+                <adec:decorative xmlns:adec="http://schemas.microsoft.com/office/drawing/2017/decorative" val="1"/>
+              </a:ext>
+            </a:extLst>
+          </p:cNvPr>
+          <p:cNvSpPr>
+            <a:spLocks noGrp="1" noRot="1" noChangeAspect="1" noMove="1" noResize="1" noEditPoints="1" noAdjustHandles="1" noChangeArrowheads="1" noChangeShapeType="1" noTextEdit="1"/>
+          </p:cNvSpPr>
+          <p:nvPr>
+            <p:extLst>
+              <p:ext uri="{386F3935-93C4-4BCD-93E2-E3B085C9AB24}">
+                <p16:designElem xmlns:p16="http://schemas.microsoft.com/office/powerpoint/2015/main" val="1"/>
+              </p:ext>
+            </p:extLst>
+          </p:nvPr>
+        </p:nvSpPr>
+        <p:spPr>
+          <a:xfrm>
+            <a:off x="0" y="0"/>
+            <a:ext cx="12192000" cy="6858000"/>
+          </a:xfrm>
+          <a:prstGeom prst="rect">
+            <a:avLst/>
+          </a:prstGeom>
+          <a:ln w="12700" cap="flat" cmpd="sng" algn="ctr">
+            <a:noFill/>
+            <a:prstDash val="solid"/>
+            <a:miter lim="800000"/>
+          </a:ln>
+          <a:effectLst/>
+        </p:spPr>
+        <p:style>
+          <a:lnRef idx="2">
+            <a:schemeClr val="accent1">
+              <a:shade val="50000"/>
+            </a:schemeClr>
+          </a:lnRef>
+          <a:fillRef idx="1">
+            <a:schemeClr val="accent1"/>
+          </a:fillRef>
+          <a:effectRef idx="0">
+            <a:schemeClr val="accent1"/>
+          </a:effectRef>
+          <a:fontRef idx="minor">
+            <a:schemeClr val="lt1"/>
+          </a:fontRef>
+        </p:style>
+        <p:txBody>
+          <a:bodyPr rtlCol="0" anchor="ctr"/>
+          <a:lstStyle/>
+          <a:p>
+            <a:pPr algn="ctr"/>
+            <a:endParaRPr lang="en-US"/>
+          </a:p>
+        </p:txBody>
+      </p:sp>
+      <p:sp>
+        <p:nvSpPr>
+          <p:cNvPr id="39" name="Rectangle 38">
+            <a:extLst>
+              <a:ext uri="{FF2B5EF4-FFF2-40B4-BE49-F238E27FC236}">
+                <a16:creationId xmlns:a16="http://schemas.microsoft.com/office/drawing/2014/main" id="{AA3EF20E-9CE6-4599-A8F1-095837D723C1}"/>
+              </a:ext>
+              <a:ext uri="{C183D7F6-B498-43B3-948B-1728B52AA6E4}">
+                <adec:decorative xmlns:adec="http://schemas.microsoft.com/office/drawing/2017/decorative" val="1"/>
+              </a:ext>
+            </a:extLst>
+          </p:cNvPr>
+          <p:cNvSpPr>
+            <a:spLocks noGrp="1" noRot="1" noChangeAspect="1" noMove="1" noResize="1" noEditPoints="1" noAdjustHandles="1" noChangeArrowheads="1" noChangeShapeType="1" noTextEdit="1"/>
+          </p:cNvSpPr>
+          <p:nvPr>
+            <p:extLst>
+              <p:ext uri="{386F3935-93C4-4BCD-93E2-E3B085C9AB24}">
+                <p16:designElem xmlns:p16="http://schemas.microsoft.com/office/powerpoint/2015/main" val="1"/>
+              </p:ext>
+            </p:extLst>
+          </p:nvPr>
+        </p:nvSpPr>
+        <p:spPr>
+          <a:xfrm>
+            <a:off x="0" y="0"/>
+            <a:ext cx="12192000" cy="6858000"/>
+          </a:xfrm>
+          <a:prstGeom prst="rect">
+            <a:avLst/>
+          </a:prstGeom>
+          <a:solidFill>
+            <a:schemeClr val="bg2">
+              <a:lumMod val="90000"/>
+              <a:lumOff val="10000"/>
+            </a:schemeClr>
+          </a:solidFill>
+          <a:ln w="12700" cap="flat" cmpd="sng" algn="ctr">
+            <a:noFill/>
+            <a:prstDash val="solid"/>
+            <a:miter lim="800000"/>
+          </a:ln>
+          <a:effectLst/>
+        </p:spPr>
+        <p:style>
+          <a:lnRef idx="2">
+            <a:schemeClr val="accent1">
+              <a:shade val="50000"/>
+            </a:schemeClr>
+          </a:lnRef>
+          <a:fillRef idx="1">
+            <a:schemeClr val="accent1"/>
+          </a:fillRef>
+          <a:effectRef idx="0">
+            <a:schemeClr val="accent1"/>
+          </a:effectRef>
+          <a:fontRef idx="minor">
+            <a:schemeClr val="lt1"/>
+          </a:fontRef>
+        </p:style>
+        <p:txBody>
+          <a:bodyPr rtlCol="0" anchor="ctr"/>
+          <a:lstStyle/>
+          <a:p>
+            <a:pPr algn="ctr"/>
+            <a:endParaRPr lang="en-US"/>
+          </a:p>
+        </p:txBody>
+      </p:sp>
+      <p:sp>
+        <p:nvSpPr>
+          <p:cNvPr id="2" name="Title 1">
+            <a:extLst>
+              <a:ext uri="{FF2B5EF4-FFF2-40B4-BE49-F238E27FC236}">
+                <a16:creationId xmlns:a16="http://schemas.microsoft.com/office/drawing/2014/main" id="{8118ECB9-6BAC-9FA3-3EC9-841ECF937E03}"/>
+              </a:ext>
+            </a:extLst>
+          </p:cNvPr>
+          <p:cNvSpPr>
+            <a:spLocks noGrp="1"/>
+          </p:cNvSpPr>
+          <p:nvPr>
+            <p:ph type="title"/>
+          </p:nvPr>
+        </p:nvSpPr>
+        <p:spPr>
+          <a:xfrm>
+            <a:off x="720000" y="1554630"/>
+            <a:ext cx="5015638" cy="1969770"/>
+          </a:xfrm>
+        </p:spPr>
+        <p:txBody>
+          <a:bodyPr vert="horz" wrap="square" lIns="0" tIns="0" rIns="0" bIns="0" rtlCol="0" anchor="b" anchorCtr="0">
+            <a:normAutofit/>
+          </a:bodyPr>
+          <a:lstStyle/>
+          <a:p>
+            <a:pPr algn="ctr">
+              <a:lnSpc>
+                <a:spcPct val="100000"/>
+              </a:lnSpc>
+            </a:pPr>
+            <a:r>
+              <a:rPr lang="en-US" sz="5600" spc="-100" dirty="0" err="1"/>
+              <a:t>Erste</a:t>
+            </a:r>
+            <a:r>
+              <a:rPr lang="en-US" sz="5600" spc="-100" dirty="0"/>
+              <a:t> </a:t>
+            </a:r>
+            <a:r>
+              <a:rPr lang="en-US" sz="5600" spc="-100" dirty="0" err="1"/>
+              <a:t>Ergebnisse</a:t>
+            </a:r>
+            <a:endParaRPr lang="en-US" sz="5600" spc="-100" dirty="0"/>
+          </a:p>
+        </p:txBody>
+      </p:sp>
+      <p:grpSp>
+        <p:nvGrpSpPr>
+          <p:cNvPr id="40" name="Group 39">
+            <a:extLst>
+              <a:ext uri="{FF2B5EF4-FFF2-40B4-BE49-F238E27FC236}">
+                <a16:creationId xmlns:a16="http://schemas.microsoft.com/office/drawing/2014/main" id="{F2FD01A0-E6FF-41CD-AEBD-279232B90D43}"/>
+              </a:ext>
+              <a:ext uri="{C183D7F6-B498-43B3-948B-1728B52AA6E4}">
+                <adec:decorative xmlns:adec="http://schemas.microsoft.com/office/drawing/2017/decorative" val="1"/>
+              </a:ext>
+            </a:extLst>
+          </p:cNvPr>
+          <p:cNvGrpSpPr>
+            <a:grpSpLocks noGrp="1" noUngrp="1" noRot="1" noChangeAspect="1" noMove="1" noResize="1"/>
+          </p:cNvGrpSpPr>
+          <p:nvPr>
+            <p:extLst>
+              <p:ext uri="{386F3935-93C4-4BCD-93E2-E3B085C9AB24}">
+                <p16:designElem xmlns:p16="http://schemas.microsoft.com/office/powerpoint/2015/main" val="1"/>
+              </p:ext>
+            </p:extLst>
+          </p:nvPr>
+        </p:nvGrpSpPr>
+        <p:grpSpPr>
+          <a:xfrm>
+            <a:off x="1965602" y="317452"/>
+            <a:ext cx="2088038" cy="719230"/>
+            <a:chOff x="4532666" y="505937"/>
+            <a:chExt cx="2981730" cy="1027064"/>
+          </a:xfrm>
+        </p:grpSpPr>
+        <p:sp>
+          <p:nvSpPr>
+            <p:cNvPr id="41" name="Freeform 78">
+              <a:extLst>
+                <a:ext uri="{FF2B5EF4-FFF2-40B4-BE49-F238E27FC236}">
+                  <a16:creationId xmlns:a16="http://schemas.microsoft.com/office/drawing/2014/main" id="{811C6308-5554-4129-8881-A95AF512C52C}"/>
+                </a:ext>
+                <a:ext uri="{C183D7F6-B498-43B3-948B-1728B52AA6E4}">
+                  <adec:decorative xmlns:adec="http://schemas.microsoft.com/office/drawing/2017/decorative" val="1"/>
+                </a:ext>
+              </a:extLst>
+            </p:cNvPr>
+            <p:cNvSpPr>
+              <a:spLocks/>
+            </p:cNvSpPr>
+            <p:nvPr>
+              <p:extLst>
+                <p:ext uri="{386F3935-93C4-4BCD-93E2-E3B085C9AB24}">
+                  <p16:designElem xmlns:p16="http://schemas.microsoft.com/office/powerpoint/2015/main" val="1"/>
+                </p:ext>
+              </p:extLst>
+            </p:nvPr>
+          </p:nvSpPr>
+          <p:spPr bwMode="auto">
+            <a:xfrm rot="600114">
+              <a:off x="4532666" y="754398"/>
+              <a:ext cx="694205" cy="713383"/>
+            </a:xfrm>
+            <a:custGeom>
+              <a:avLst/>
+              <a:gdLst>
+                <a:gd name="T0" fmla="*/ 32 w 58"/>
+                <a:gd name="T1" fmla="*/ 56 h 60"/>
+                <a:gd name="T2" fmla="*/ 24 w 58"/>
+                <a:gd name="T3" fmla="*/ 48 h 60"/>
+                <a:gd name="T4" fmla="*/ 14 w 58"/>
+                <a:gd name="T5" fmla="*/ 36 h 60"/>
+                <a:gd name="T6" fmla="*/ 7 w 58"/>
+                <a:gd name="T7" fmla="*/ 29 h 60"/>
+                <a:gd name="T8" fmla="*/ 1 w 58"/>
+                <a:gd name="T9" fmla="*/ 17 h 60"/>
+                <a:gd name="T10" fmla="*/ 7 w 58"/>
+                <a:gd name="T11" fmla="*/ 4 h 60"/>
+                <a:gd name="T12" fmla="*/ 17 w 58"/>
+                <a:gd name="T13" fmla="*/ 1 h 60"/>
+                <a:gd name="T14" fmla="*/ 29 w 58"/>
+                <a:gd name="T15" fmla="*/ 6 h 60"/>
+                <a:gd name="T16" fmla="*/ 31 w 58"/>
+                <a:gd name="T17" fmla="*/ 8 h 60"/>
+                <a:gd name="T18" fmla="*/ 38 w 58"/>
+                <a:gd name="T19" fmla="*/ 15 h 60"/>
+                <a:gd name="T20" fmla="*/ 44 w 58"/>
+                <a:gd name="T21" fmla="*/ 22 h 60"/>
+                <a:gd name="T22" fmla="*/ 54 w 58"/>
+                <a:gd name="T23" fmla="*/ 33 h 60"/>
+                <a:gd name="T24" fmla="*/ 58 w 58"/>
+                <a:gd name="T25" fmla="*/ 44 h 60"/>
+                <a:gd name="T26" fmla="*/ 53 w 58"/>
+                <a:gd name="T27" fmla="*/ 54 h 60"/>
+                <a:gd name="T28" fmla="*/ 42 w 58"/>
+                <a:gd name="T29" fmla="*/ 60 h 60"/>
+                <a:gd name="T30" fmla="*/ 32 w 58"/>
+                <a:gd name="T31" fmla="*/ 56 h 60"/>
+              </a:gdLst>
+              <a:ahLst/>
+              <a:cxnLst>
+                <a:cxn ang="0">
+                  <a:pos x="T0" y="T1"/>
+                </a:cxn>
+                <a:cxn ang="0">
+                  <a:pos x="T2" y="T3"/>
+                </a:cxn>
+                <a:cxn ang="0">
+                  <a:pos x="T4" y="T5"/>
+                </a:cxn>
+                <a:cxn ang="0">
+                  <a:pos x="T6" y="T7"/>
+                </a:cxn>
+                <a:cxn ang="0">
+                  <a:pos x="T8" y="T9"/>
+                </a:cxn>
+                <a:cxn ang="0">
+                  <a:pos x="T10" y="T11"/>
+                </a:cxn>
+                <a:cxn ang="0">
+                  <a:pos x="T12" y="T13"/>
+                </a:cxn>
+                <a:cxn ang="0">
+                  <a:pos x="T14" y="T15"/>
+                </a:cxn>
+                <a:cxn ang="0">
+                  <a:pos x="T16" y="T17"/>
+                </a:cxn>
+                <a:cxn ang="0">
+                  <a:pos x="T18" y="T19"/>
+                </a:cxn>
+                <a:cxn ang="0">
+                  <a:pos x="T20" y="T21"/>
+                </a:cxn>
+                <a:cxn ang="0">
+                  <a:pos x="T22" y="T23"/>
+                </a:cxn>
+                <a:cxn ang="0">
+                  <a:pos x="T24" y="T25"/>
+                </a:cxn>
+                <a:cxn ang="0">
+                  <a:pos x="T26" y="T27"/>
+                </a:cxn>
+                <a:cxn ang="0">
+                  <a:pos x="T28" y="T29"/>
+                </a:cxn>
+                <a:cxn ang="0">
+                  <a:pos x="T30" y="T31"/>
+                </a:cxn>
+              </a:cxnLst>
+              <a:rect l="0" t="0" r="r" b="b"/>
+              <a:pathLst>
+                <a:path w="58" h="60">
+                  <a:moveTo>
+                    <a:pt x="32" y="56"/>
+                  </a:moveTo>
+                  <a:cubicBezTo>
+                    <a:pt x="30" y="54"/>
+                    <a:pt x="31" y="55"/>
+                    <a:pt x="24" y="48"/>
+                  </a:cubicBezTo>
+                  <a:cubicBezTo>
+                    <a:pt x="17" y="40"/>
+                    <a:pt x="14" y="36"/>
+                    <a:pt x="14" y="36"/>
+                  </a:cubicBezTo>
+                  <a:cubicBezTo>
+                    <a:pt x="8" y="30"/>
+                    <a:pt x="14" y="37"/>
+                    <a:pt x="7" y="29"/>
+                  </a:cubicBezTo>
+                  <a:cubicBezTo>
+                    <a:pt x="3" y="24"/>
+                    <a:pt x="1" y="20"/>
+                    <a:pt x="1" y="17"/>
+                  </a:cubicBezTo>
+                  <a:cubicBezTo>
+                    <a:pt x="0" y="13"/>
+                    <a:pt x="3" y="9"/>
+                    <a:pt x="7" y="4"/>
+                  </a:cubicBezTo>
+                  <a:cubicBezTo>
+                    <a:pt x="10" y="2"/>
+                    <a:pt x="13" y="0"/>
+                    <a:pt x="17" y="1"/>
+                  </a:cubicBezTo>
+                  <a:cubicBezTo>
+                    <a:pt x="21" y="1"/>
+                    <a:pt x="25" y="3"/>
+                    <a:pt x="29" y="6"/>
+                  </a:cubicBezTo>
+                  <a:cubicBezTo>
+                    <a:pt x="31" y="8"/>
+                    <a:pt x="31" y="8"/>
+                    <a:pt x="31" y="8"/>
+                  </a:cubicBezTo>
+                  <a:cubicBezTo>
+                    <a:pt x="33" y="11"/>
+                    <a:pt x="37" y="15"/>
+                    <a:pt x="38" y="15"/>
+                  </a:cubicBezTo>
+                  <a:cubicBezTo>
+                    <a:pt x="42" y="20"/>
+                    <a:pt x="40" y="18"/>
+                    <a:pt x="44" y="22"/>
+                  </a:cubicBezTo>
+                  <a:cubicBezTo>
+                    <a:pt x="51" y="29"/>
+                    <a:pt x="50" y="29"/>
+                    <a:pt x="54" y="33"/>
+                  </a:cubicBezTo>
+                  <a:cubicBezTo>
+                    <a:pt x="57" y="37"/>
+                    <a:pt x="58" y="40"/>
+                    <a:pt x="58" y="44"/>
+                  </a:cubicBezTo>
+                  <a:cubicBezTo>
+                    <a:pt x="58" y="47"/>
+                    <a:pt x="56" y="50"/>
+                    <a:pt x="53" y="54"/>
+                  </a:cubicBezTo>
+                  <a:cubicBezTo>
+                    <a:pt x="49" y="58"/>
+                    <a:pt x="45" y="60"/>
+                    <a:pt x="42" y="60"/>
+                  </a:cubicBezTo>
+                  <a:cubicBezTo>
+                    <a:pt x="39" y="60"/>
+                    <a:pt x="36" y="59"/>
+                    <a:pt x="32" y="56"/>
+                  </a:cubicBezTo>
+                  <a:close/>
+                </a:path>
+              </a:pathLst>
+            </a:custGeom>
+            <a:solidFill>
+              <a:schemeClr val="accent2"/>
+            </a:solidFill>
+            <a:ln>
+              <a:noFill/>
+            </a:ln>
+          </p:spPr>
+          <p:txBody>
+            <a:bodyPr vert="horz" wrap="square" lIns="91440" tIns="45720" rIns="91440" bIns="45720" numCol="1" anchor="t" anchorCtr="0" compatLnSpc="1">
+              <a:prstTxWarp prst="textNoShape">
+                <a:avLst/>
+              </a:prstTxWarp>
+            </a:bodyPr>
+            <a:lstStyle/>
+            <a:p>
+              <a:endParaRPr lang="en-US">
+                <a:solidFill>
+                  <a:schemeClr val="accent3"/>
+                </a:solidFill>
+              </a:endParaRPr>
+            </a:p>
+          </p:txBody>
+        </p:sp>
+        <p:sp>
+          <p:nvSpPr>
+            <p:cNvPr id="42" name="Freeform 79">
+              <a:extLst>
+                <a:ext uri="{FF2B5EF4-FFF2-40B4-BE49-F238E27FC236}">
+                  <a16:creationId xmlns:a16="http://schemas.microsoft.com/office/drawing/2014/main" id="{C28F3A03-B53B-433E-8DF7-6B13336D0A53}"/>
+                </a:ext>
+                <a:ext uri="{C183D7F6-B498-43B3-948B-1728B52AA6E4}">
+                  <adec:decorative xmlns:adec="http://schemas.microsoft.com/office/drawing/2017/decorative" val="1"/>
+                </a:ext>
+              </a:extLst>
+            </p:cNvPr>
+            <p:cNvSpPr>
+              <a:spLocks/>
+            </p:cNvSpPr>
+            <p:nvPr>
+              <p:extLst>
+                <p:ext uri="{386F3935-93C4-4BCD-93E2-E3B085C9AB24}">
+                  <p16:designElem xmlns:p16="http://schemas.microsoft.com/office/powerpoint/2015/main" val="1"/>
+                </p:ext>
+              </p:extLst>
+            </p:nvPr>
+          </p:nvSpPr>
+          <p:spPr bwMode="auto">
+            <a:xfrm rot="600114">
+              <a:off x="5791465" y="505937"/>
+              <a:ext cx="587404" cy="943792"/>
+            </a:xfrm>
+            <a:custGeom>
+              <a:avLst/>
+              <a:gdLst>
+                <a:gd name="T0" fmla="*/ 15 w 49"/>
+                <a:gd name="T1" fmla="*/ 65 h 79"/>
+                <a:gd name="T2" fmla="*/ 12 w 49"/>
+                <a:gd name="T3" fmla="*/ 54 h 79"/>
+                <a:gd name="T4" fmla="*/ 8 w 49"/>
+                <a:gd name="T5" fmla="*/ 33 h 79"/>
+                <a:gd name="T6" fmla="*/ 38 w 49"/>
+                <a:gd name="T7" fmla="*/ 24 h 79"/>
+                <a:gd name="T8" fmla="*/ 45 w 49"/>
+                <a:gd name="T9" fmla="*/ 70 h 79"/>
+                <a:gd name="T10" fmla="*/ 15 w 49"/>
+                <a:gd name="T11" fmla="*/ 65 h 79"/>
+              </a:gdLst>
+              <a:ahLst/>
+              <a:cxnLst>
+                <a:cxn ang="0">
+                  <a:pos x="T0" y="T1"/>
+                </a:cxn>
+                <a:cxn ang="0">
+                  <a:pos x="T2" y="T3"/>
+                </a:cxn>
+                <a:cxn ang="0">
+                  <a:pos x="T4" y="T5"/>
+                </a:cxn>
+                <a:cxn ang="0">
+                  <a:pos x="T6" y="T7"/>
+                </a:cxn>
+                <a:cxn ang="0">
+                  <a:pos x="T8" y="T9"/>
+                </a:cxn>
+                <a:cxn ang="0">
+                  <a:pos x="T10" y="T11"/>
+                </a:cxn>
+              </a:cxnLst>
+              <a:rect l="0" t="0" r="r" b="b"/>
+              <a:pathLst>
+                <a:path w="49" h="79">
+                  <a:moveTo>
+                    <a:pt x="15" y="65"/>
+                  </a:moveTo>
+                  <a:cubicBezTo>
+                    <a:pt x="14" y="59"/>
+                    <a:pt x="13" y="58"/>
+                    <a:pt x="12" y="54"/>
+                  </a:cubicBezTo>
+                  <a:cubicBezTo>
+                    <a:pt x="11" y="45"/>
+                    <a:pt x="10" y="40"/>
+                    <a:pt x="8" y="33"/>
+                  </a:cubicBezTo>
+                  <a:cubicBezTo>
+                    <a:pt x="0" y="9"/>
+                    <a:pt x="34" y="0"/>
+                    <a:pt x="38" y="24"/>
+                  </a:cubicBezTo>
+                  <a:cubicBezTo>
+                    <a:pt x="43" y="43"/>
+                    <a:pt x="49" y="60"/>
+                    <a:pt x="45" y="70"/>
+                  </a:cubicBezTo>
+                  <a:cubicBezTo>
+                    <a:pt x="38" y="77"/>
+                    <a:pt x="19" y="79"/>
+                    <a:pt x="15" y="65"/>
+                  </a:cubicBezTo>
+                  <a:close/>
+                </a:path>
+              </a:pathLst>
+            </a:custGeom>
+            <a:solidFill>
+              <a:schemeClr val="accent2"/>
+            </a:solidFill>
+            <a:ln>
+              <a:noFill/>
+            </a:ln>
+          </p:spPr>
+          <p:txBody>
+            <a:bodyPr vert="horz" wrap="square" lIns="91440" tIns="45720" rIns="91440" bIns="45720" numCol="1" anchor="t" anchorCtr="0" compatLnSpc="1">
+              <a:prstTxWarp prst="textNoShape">
+                <a:avLst/>
+              </a:prstTxWarp>
+            </a:bodyPr>
+            <a:lstStyle/>
+            <a:p>
+              <a:endParaRPr lang="en-US">
+                <a:solidFill>
+                  <a:schemeClr val="accent3"/>
+                </a:solidFill>
+              </a:endParaRPr>
+            </a:p>
+          </p:txBody>
+        </p:sp>
+        <p:sp>
+          <p:nvSpPr>
+            <p:cNvPr id="43" name="Freeform 85">
+              <a:extLst>
+                <a:ext uri="{FF2B5EF4-FFF2-40B4-BE49-F238E27FC236}">
+                  <a16:creationId xmlns:a16="http://schemas.microsoft.com/office/drawing/2014/main" id="{E990BBBC-E616-4D0E-9917-A6CA72AAEA42}"/>
+                </a:ext>
+                <a:ext uri="{C183D7F6-B498-43B3-948B-1728B52AA6E4}">
+                  <adec:decorative xmlns:adec="http://schemas.microsoft.com/office/drawing/2017/decorative" val="1"/>
+                </a:ext>
+              </a:extLst>
+            </p:cNvPr>
+            <p:cNvSpPr>
+              <a:spLocks/>
+            </p:cNvSpPr>
+            <p:nvPr>
+              <p:extLst>
+                <p:ext uri="{386F3935-93C4-4BCD-93E2-E3B085C9AB24}">
+                  <p16:designElem xmlns:p16="http://schemas.microsoft.com/office/powerpoint/2015/main" val="1"/>
+                </p:ext>
+              </p:extLst>
+            </p:nvPr>
+          </p:nvSpPr>
+          <p:spPr bwMode="auto">
+            <a:xfrm rot="600114">
+              <a:off x="7087193" y="757585"/>
+              <a:ext cx="427203" cy="775416"/>
+            </a:xfrm>
+            <a:custGeom>
+              <a:avLst/>
+              <a:gdLst>
+                <a:gd name="T0" fmla="*/ 36 w 36"/>
+                <a:gd name="T1" fmla="*/ 15 h 65"/>
+                <a:gd name="T2" fmla="*/ 34 w 36"/>
+                <a:gd name="T3" fmla="*/ 5 h 65"/>
+                <a:gd name="T4" fmla="*/ 28 w 36"/>
+                <a:gd name="T5" fmla="*/ 1 h 65"/>
+                <a:gd name="T6" fmla="*/ 23 w 36"/>
+                <a:gd name="T7" fmla="*/ 0 h 65"/>
+                <a:gd name="T8" fmla="*/ 13 w 36"/>
+                <a:gd name="T9" fmla="*/ 1 h 65"/>
+                <a:gd name="T10" fmla="*/ 7 w 36"/>
+                <a:gd name="T11" fmla="*/ 9 h 65"/>
+                <a:gd name="T12" fmla="*/ 4 w 36"/>
+                <a:gd name="T13" fmla="*/ 19 h 65"/>
+                <a:gd name="T14" fmla="*/ 0 w 36"/>
+                <a:gd name="T15" fmla="*/ 44 h 65"/>
+                <a:gd name="T16" fmla="*/ 1 w 36"/>
+                <a:gd name="T17" fmla="*/ 58 h 65"/>
+                <a:gd name="T18" fmla="*/ 8 w 36"/>
+                <a:gd name="T19" fmla="*/ 64 h 65"/>
+                <a:gd name="T20" fmla="*/ 16 w 36"/>
+                <a:gd name="T21" fmla="*/ 65 h 65"/>
+                <a:gd name="T22" fmla="*/ 25 w 36"/>
+                <a:gd name="T23" fmla="*/ 63 h 65"/>
+                <a:gd name="T24" fmla="*/ 31 w 36"/>
+                <a:gd name="T25" fmla="*/ 55 h 65"/>
+                <a:gd name="T26" fmla="*/ 34 w 36"/>
+                <a:gd name="T27" fmla="*/ 40 h 65"/>
+                <a:gd name="T28" fmla="*/ 36 w 36"/>
+                <a:gd name="T29" fmla="*/ 15 h 65"/>
+              </a:gdLst>
+              <a:ahLst/>
+              <a:cxnLst>
+                <a:cxn ang="0">
+                  <a:pos x="T0" y="T1"/>
+                </a:cxn>
+                <a:cxn ang="0">
+                  <a:pos x="T2" y="T3"/>
+                </a:cxn>
+                <a:cxn ang="0">
+                  <a:pos x="T4" y="T5"/>
+                </a:cxn>
+                <a:cxn ang="0">
+                  <a:pos x="T6" y="T7"/>
+                </a:cxn>
+                <a:cxn ang="0">
+                  <a:pos x="T8" y="T9"/>
+                </a:cxn>
+                <a:cxn ang="0">
+                  <a:pos x="T10" y="T11"/>
+                </a:cxn>
+                <a:cxn ang="0">
+                  <a:pos x="T12" y="T13"/>
+                </a:cxn>
+                <a:cxn ang="0">
+                  <a:pos x="T14" y="T15"/>
+                </a:cxn>
+                <a:cxn ang="0">
+                  <a:pos x="T16" y="T17"/>
+                </a:cxn>
+                <a:cxn ang="0">
+                  <a:pos x="T18" y="T19"/>
+                </a:cxn>
+                <a:cxn ang="0">
+                  <a:pos x="T20" y="T21"/>
+                </a:cxn>
+                <a:cxn ang="0">
+                  <a:pos x="T22" y="T23"/>
+                </a:cxn>
+                <a:cxn ang="0">
+                  <a:pos x="T24" y="T25"/>
+                </a:cxn>
+                <a:cxn ang="0">
+                  <a:pos x="T26" y="T27"/>
+                </a:cxn>
+                <a:cxn ang="0">
+                  <a:pos x="T28" y="T29"/>
+                </a:cxn>
+              </a:cxnLst>
+              <a:rect l="0" t="0" r="r" b="b"/>
+              <a:pathLst>
+                <a:path w="36" h="65">
+                  <a:moveTo>
+                    <a:pt x="36" y="15"/>
+                  </a:moveTo>
+                  <a:cubicBezTo>
+                    <a:pt x="36" y="10"/>
+                    <a:pt x="35" y="7"/>
+                    <a:pt x="34" y="5"/>
+                  </a:cubicBezTo>
+                  <a:cubicBezTo>
+                    <a:pt x="33" y="3"/>
+                    <a:pt x="31" y="2"/>
+                    <a:pt x="28" y="1"/>
+                  </a:cubicBezTo>
+                  <a:cubicBezTo>
+                    <a:pt x="27" y="1"/>
+                    <a:pt x="25" y="1"/>
+                    <a:pt x="23" y="0"/>
+                  </a:cubicBezTo>
+                  <a:cubicBezTo>
+                    <a:pt x="19" y="0"/>
+                    <a:pt x="16" y="0"/>
+                    <a:pt x="13" y="1"/>
+                  </a:cubicBezTo>
+                  <a:cubicBezTo>
+                    <a:pt x="11" y="2"/>
+                    <a:pt x="9" y="4"/>
+                    <a:pt x="7" y="9"/>
+                  </a:cubicBezTo>
+                  <a:cubicBezTo>
+                    <a:pt x="6" y="13"/>
+                    <a:pt x="5" y="17"/>
+                    <a:pt x="4" y="19"/>
+                  </a:cubicBezTo>
+                  <a:cubicBezTo>
+                    <a:pt x="2" y="29"/>
+                    <a:pt x="0" y="44"/>
+                    <a:pt x="0" y="44"/>
+                  </a:cubicBezTo>
+                  <a:cubicBezTo>
+                    <a:pt x="0" y="50"/>
+                    <a:pt x="0" y="55"/>
+                    <a:pt x="1" y="58"/>
+                  </a:cubicBezTo>
+                  <a:cubicBezTo>
+                    <a:pt x="2" y="61"/>
+                    <a:pt x="5" y="63"/>
+                    <a:pt x="8" y="64"/>
+                  </a:cubicBezTo>
+                  <a:cubicBezTo>
+                    <a:pt x="11" y="65"/>
+                    <a:pt x="13" y="65"/>
+                    <a:pt x="16" y="65"/>
+                  </a:cubicBezTo>
+                  <a:cubicBezTo>
+                    <a:pt x="19" y="65"/>
+                    <a:pt x="22" y="64"/>
+                    <a:pt x="25" y="63"/>
+                  </a:cubicBezTo>
+                  <a:cubicBezTo>
+                    <a:pt x="28" y="61"/>
+                    <a:pt x="30" y="59"/>
+                    <a:pt x="31" y="55"/>
+                  </a:cubicBezTo>
+                  <a:cubicBezTo>
+                    <a:pt x="32" y="50"/>
+                    <a:pt x="31" y="54"/>
+                    <a:pt x="34" y="40"/>
+                  </a:cubicBezTo>
+                  <a:lnTo>
+                    <a:pt x="36" y="15"/>
+                  </a:lnTo>
+                  <a:close/>
+                </a:path>
+              </a:pathLst>
+            </a:custGeom>
+            <a:solidFill>
+              <a:schemeClr val="accent2"/>
+            </a:solidFill>
+            <a:ln>
+              <a:noFill/>
+            </a:ln>
+          </p:spPr>
+          <p:txBody>
+            <a:bodyPr vert="horz" wrap="square" lIns="91440" tIns="45720" rIns="91440" bIns="45720" numCol="1" anchor="t" anchorCtr="0" compatLnSpc="1">
+              <a:prstTxWarp prst="textNoShape">
+                <a:avLst/>
+              </a:prstTxWarp>
+            </a:bodyPr>
+            <a:lstStyle/>
+            <a:p>
+              <a:endParaRPr lang="en-US">
+                <a:solidFill>
+                  <a:schemeClr val="accent3"/>
+                </a:solidFill>
+              </a:endParaRPr>
+            </a:p>
+          </p:txBody>
+        </p:sp>
+      </p:grpSp>
+      <p:pic>
+        <p:nvPicPr>
+          <p:cNvPr id="9" name="Picture 8" descr="A cartoon house with a tree and a building&#10;&#10;Description automatically generated">
+            <a:extLst>
+              <a:ext uri="{FF2B5EF4-FFF2-40B4-BE49-F238E27FC236}">
+                <a16:creationId xmlns:a16="http://schemas.microsoft.com/office/drawing/2014/main" id="{8007F8A9-922E-33E2-9220-89D069B50650}"/>
+              </a:ext>
+            </a:extLst>
+          </p:cNvPr>
+          <p:cNvPicPr>
+            <a:picLocks noChangeAspect="1"/>
+          </p:cNvPicPr>
+          <p:nvPr/>
+        </p:nvPicPr>
+        <p:blipFill rotWithShape="1">
+          <a:blip r:embed="rId2">
+            <a:extLst>
+              <a:ext uri="{28A0092B-C50C-407E-A947-70E740481C1C}">
+                <a14:useLocalDpi xmlns:a14="http://schemas.microsoft.com/office/drawing/2010/main" val="0"/>
+              </a:ext>
+            </a:extLst>
+          </a:blip>
+          <a:srcRect t="6289" r="1" b="1660"/>
+          <a:stretch/>
+        </p:blipFill>
+        <p:spPr>
+          <a:xfrm>
+            <a:off x="6450065" y="10"/>
+            <a:ext cx="5741934" cy="2285990"/>
+          </a:xfrm>
+          <a:custGeom>
+            <a:avLst/>
+            <a:gdLst/>
+            <a:ahLst/>
+            <a:cxnLst/>
+            <a:rect l="l" t="t" r="r" b="b"/>
+            <a:pathLst>
+              <a:path w="5741934" h="2286000">
+                <a:moveTo>
+                  <a:pt x="0" y="0"/>
+                </a:moveTo>
+                <a:lnTo>
+                  <a:pt x="1202298" y="0"/>
+                </a:lnTo>
+                <a:lnTo>
+                  <a:pt x="5741934" y="0"/>
+                </a:lnTo>
+                <a:lnTo>
+                  <a:pt x="5741934" y="2286000"/>
+                </a:lnTo>
+                <a:lnTo>
+                  <a:pt x="33080" y="2286000"/>
+                </a:lnTo>
+                <a:lnTo>
+                  <a:pt x="33031" y="2282639"/>
+                </a:lnTo>
+                <a:cubicBezTo>
+                  <a:pt x="10373" y="716772"/>
+                  <a:pt x="2974" y="205469"/>
+                  <a:pt x="558" y="38512"/>
+                </a:cubicBezTo>
+                <a:close/>
+              </a:path>
+            </a:pathLst>
+          </a:custGeom>
+        </p:spPr>
+      </p:pic>
+      <p:pic>
+        <p:nvPicPr>
+          <p:cNvPr id="7" name="Picture 6" descr="A screenshot of a video game&#10;&#10;Description automatically generated">
+            <a:extLst>
+              <a:ext uri="{FF2B5EF4-FFF2-40B4-BE49-F238E27FC236}">
+                <a16:creationId xmlns:a16="http://schemas.microsoft.com/office/drawing/2014/main" id="{913A9ADB-8CC8-70AA-CDC4-3812AA1C7025}"/>
+              </a:ext>
+            </a:extLst>
+          </p:cNvPr>
+          <p:cNvPicPr>
+            <a:picLocks noChangeAspect="1"/>
+          </p:cNvPicPr>
+          <p:nvPr/>
+        </p:nvPicPr>
+        <p:blipFill rotWithShape="1">
+          <a:blip r:embed="rId3">
+            <a:extLst>
+              <a:ext uri="{28A0092B-C50C-407E-A947-70E740481C1C}">
+                <a14:useLocalDpi xmlns:a14="http://schemas.microsoft.com/office/drawing/2010/main" val="0"/>
+              </a:ext>
+            </a:extLst>
+          </a:blip>
+          <a:srcRect t="6656" r="-3" b="9535"/>
+          <a:stretch/>
+        </p:blipFill>
+        <p:spPr>
+          <a:xfrm>
+            <a:off x="6449451" y="2286000"/>
+            <a:ext cx="5742548" cy="2286000"/>
+          </a:xfrm>
+          <a:custGeom>
+            <a:avLst/>
+            <a:gdLst/>
+            <a:ahLst/>
+            <a:cxnLst/>
+            <a:rect l="l" t="t" r="r" b="b"/>
+            <a:pathLst>
+              <a:path w="5742548" h="2286000">
+                <a:moveTo>
+                  <a:pt x="33694" y="0"/>
+                </a:moveTo>
+                <a:lnTo>
+                  <a:pt x="5742548" y="0"/>
+                </a:lnTo>
+                <a:lnTo>
+                  <a:pt x="5742548" y="2286000"/>
+                </a:lnTo>
+                <a:lnTo>
+                  <a:pt x="0" y="2286000"/>
+                </a:lnTo>
+                <a:lnTo>
+                  <a:pt x="0" y="2146942"/>
+                </a:lnTo>
+                <a:cubicBezTo>
+                  <a:pt x="0" y="1477354"/>
+                  <a:pt x="0" y="1477354"/>
+                  <a:pt x="0" y="1477354"/>
+                </a:cubicBezTo>
+                <a:cubicBezTo>
+                  <a:pt x="38383" y="324084"/>
+                  <a:pt x="38383" y="324084"/>
+                  <a:pt x="38383" y="324084"/>
+                </a:cubicBezTo>
+                <a:close/>
+              </a:path>
+            </a:pathLst>
+          </a:custGeom>
+        </p:spPr>
+      </p:pic>
+      <p:grpSp>
+        <p:nvGrpSpPr>
+          <p:cNvPr id="44" name="Group 43">
+            <a:extLst>
+              <a:ext uri="{FF2B5EF4-FFF2-40B4-BE49-F238E27FC236}">
+                <a16:creationId xmlns:a16="http://schemas.microsoft.com/office/drawing/2014/main" id="{3C9AA14C-80A4-427C-A911-28CD20C56E5E}"/>
+              </a:ext>
+              <a:ext uri="{C183D7F6-B498-43B3-948B-1728B52AA6E4}">
+                <adec:decorative xmlns:adec="http://schemas.microsoft.com/office/drawing/2017/decorative" val="1"/>
+              </a:ext>
+            </a:extLst>
+          </p:cNvPr>
+          <p:cNvGrpSpPr>
+            <a:grpSpLocks noGrp="1" noUngrp="1" noRot="1" noChangeAspect="1" noMove="1" noResize="1"/>
+          </p:cNvGrpSpPr>
+          <p:nvPr>
+            <p:extLst>
+              <p:ext uri="{386F3935-93C4-4BCD-93E2-E3B085C9AB24}">
+                <p16:designElem xmlns:p16="http://schemas.microsoft.com/office/powerpoint/2015/main" val="1"/>
+              </p:ext>
+            </p:extLst>
+          </p:nvPr>
+        </p:nvGrpSpPr>
+        <p:grpSpPr>
+          <a:xfrm>
+            <a:off x="2017356" y="5503147"/>
+            <a:ext cx="2117174" cy="588806"/>
+            <a:chOff x="4549904" y="5078157"/>
+            <a:chExt cx="3023338" cy="840818"/>
+          </a:xfrm>
+        </p:grpSpPr>
+        <p:sp>
+          <p:nvSpPr>
+            <p:cNvPr id="45" name="Freeform 80">
+              <a:extLst>
+                <a:ext uri="{FF2B5EF4-FFF2-40B4-BE49-F238E27FC236}">
+                  <a16:creationId xmlns:a16="http://schemas.microsoft.com/office/drawing/2014/main" id="{EF32CDAF-4619-4949-9516-1E042181EBF3}"/>
+                </a:ext>
+                <a:ext uri="{C183D7F6-B498-43B3-948B-1728B52AA6E4}">
+                  <adec:decorative xmlns:adec="http://schemas.microsoft.com/office/drawing/2017/decorative" val="1"/>
+                </a:ext>
+              </a:extLst>
+            </p:cNvPr>
+            <p:cNvSpPr>
+              <a:spLocks/>
+            </p:cNvSpPr>
+            <p:nvPr>
+              <p:extLst>
+                <p:ext uri="{386F3935-93C4-4BCD-93E2-E3B085C9AB24}">
+                  <p16:designElem xmlns:p16="http://schemas.microsoft.com/office/powerpoint/2015/main" val="1"/>
+                </p:ext>
+              </p:extLst>
+            </p:nvPr>
+          </p:nvSpPr>
+          <p:spPr bwMode="auto">
+            <a:xfrm rot="5400000">
+              <a:off x="5690691" y="5352589"/>
+              <a:ext cx="749228" cy="383544"/>
+            </a:xfrm>
+            <a:custGeom>
+              <a:avLst/>
+              <a:gdLst>
+                <a:gd name="T0" fmla="*/ 53 w 66"/>
+                <a:gd name="T1" fmla="*/ 33 h 34"/>
+                <a:gd name="T2" fmla="*/ 39 w 66"/>
+                <a:gd name="T3" fmla="*/ 33 h 34"/>
+                <a:gd name="T4" fmla="*/ 21 w 66"/>
+                <a:gd name="T5" fmla="*/ 33 h 34"/>
+                <a:gd name="T6" fmla="*/ 12 w 66"/>
+                <a:gd name="T7" fmla="*/ 32 h 34"/>
+                <a:gd name="T8" fmla="*/ 3 w 66"/>
+                <a:gd name="T9" fmla="*/ 28 h 34"/>
+                <a:gd name="T10" fmla="*/ 0 w 66"/>
+                <a:gd name="T11" fmla="*/ 21 h 34"/>
+                <a:gd name="T12" fmla="*/ 0 w 66"/>
+                <a:gd name="T13" fmla="*/ 16 h 34"/>
+                <a:gd name="T14" fmla="*/ 3 w 66"/>
+                <a:gd name="T15" fmla="*/ 7 h 34"/>
+                <a:gd name="T16" fmla="*/ 11 w 66"/>
+                <a:gd name="T17" fmla="*/ 3 h 34"/>
+                <a:gd name="T18" fmla="*/ 23 w 66"/>
+                <a:gd name="T19" fmla="*/ 2 h 34"/>
+                <a:gd name="T20" fmla="*/ 43 w 66"/>
+                <a:gd name="T21" fmla="*/ 0 h 34"/>
+                <a:gd name="T22" fmla="*/ 48 w 66"/>
+                <a:gd name="T23" fmla="*/ 0 h 34"/>
+                <a:gd name="T24" fmla="*/ 62 w 66"/>
+                <a:gd name="T25" fmla="*/ 4 h 34"/>
+                <a:gd name="T26" fmla="*/ 66 w 66"/>
+                <a:gd name="T27" fmla="*/ 13 h 34"/>
+                <a:gd name="T28" fmla="*/ 66 w 66"/>
+                <a:gd name="T29" fmla="*/ 20 h 34"/>
+                <a:gd name="T30" fmla="*/ 62 w 66"/>
+                <a:gd name="T31" fmla="*/ 29 h 34"/>
+                <a:gd name="T32" fmla="*/ 53 w 66"/>
+                <a:gd name="T33" fmla="*/ 33 h 34"/>
+              </a:gdLst>
+              <a:ahLst/>
+              <a:cxnLst>
+                <a:cxn ang="0">
+                  <a:pos x="T0" y="T1"/>
+                </a:cxn>
+                <a:cxn ang="0">
+                  <a:pos x="T2" y="T3"/>
+                </a:cxn>
+                <a:cxn ang="0">
+                  <a:pos x="T4" y="T5"/>
+                </a:cxn>
+                <a:cxn ang="0">
+                  <a:pos x="T6" y="T7"/>
+                </a:cxn>
+                <a:cxn ang="0">
+                  <a:pos x="T8" y="T9"/>
+                </a:cxn>
+                <a:cxn ang="0">
+                  <a:pos x="T10" y="T11"/>
+                </a:cxn>
+                <a:cxn ang="0">
+                  <a:pos x="T12" y="T13"/>
+                </a:cxn>
+                <a:cxn ang="0">
+                  <a:pos x="T14" y="T15"/>
+                </a:cxn>
+                <a:cxn ang="0">
+                  <a:pos x="T16" y="T17"/>
+                </a:cxn>
+                <a:cxn ang="0">
+                  <a:pos x="T18" y="T19"/>
+                </a:cxn>
+                <a:cxn ang="0">
+                  <a:pos x="T20" y="T21"/>
+                </a:cxn>
+                <a:cxn ang="0">
+                  <a:pos x="T22" y="T23"/>
+                </a:cxn>
+                <a:cxn ang="0">
+                  <a:pos x="T24" y="T25"/>
+                </a:cxn>
+                <a:cxn ang="0">
+                  <a:pos x="T26" y="T27"/>
+                </a:cxn>
+                <a:cxn ang="0">
+                  <a:pos x="T28" y="T29"/>
+                </a:cxn>
+                <a:cxn ang="0">
+                  <a:pos x="T30" y="T31"/>
+                </a:cxn>
+                <a:cxn ang="0">
+                  <a:pos x="T32" y="T33"/>
+                </a:cxn>
+              </a:cxnLst>
+              <a:rect l="0" t="0" r="r" b="b"/>
+              <a:pathLst>
+                <a:path w="66" h="34">
+                  <a:moveTo>
+                    <a:pt x="53" y="33"/>
+                  </a:moveTo>
+                  <a:cubicBezTo>
+                    <a:pt x="47" y="33"/>
+                    <a:pt x="53" y="34"/>
+                    <a:pt x="39" y="33"/>
+                  </a:cubicBezTo>
+                  <a:cubicBezTo>
+                    <a:pt x="24" y="33"/>
+                    <a:pt x="21" y="33"/>
+                    <a:pt x="21" y="33"/>
+                  </a:cubicBezTo>
+                  <a:cubicBezTo>
+                    <a:pt x="12" y="32"/>
+                    <a:pt x="12" y="32"/>
+                    <a:pt x="12" y="32"/>
+                  </a:cubicBezTo>
+                  <a:cubicBezTo>
+                    <a:pt x="7" y="31"/>
+                    <a:pt x="4" y="30"/>
+                    <a:pt x="3" y="28"/>
+                  </a:cubicBezTo>
+                  <a:cubicBezTo>
+                    <a:pt x="1" y="26"/>
+                    <a:pt x="0" y="24"/>
+                    <a:pt x="0" y="21"/>
+                  </a:cubicBezTo>
+                  <a:cubicBezTo>
+                    <a:pt x="0" y="21"/>
+                    <a:pt x="0" y="19"/>
+                    <a:pt x="0" y="16"/>
+                  </a:cubicBezTo>
+                  <a:cubicBezTo>
+                    <a:pt x="0" y="13"/>
+                    <a:pt x="1" y="10"/>
+                    <a:pt x="3" y="7"/>
+                  </a:cubicBezTo>
+                  <a:cubicBezTo>
+                    <a:pt x="4" y="5"/>
+                    <a:pt x="7" y="3"/>
+                    <a:pt x="11" y="3"/>
+                  </a:cubicBezTo>
+                  <a:cubicBezTo>
+                    <a:pt x="16" y="2"/>
+                    <a:pt x="20" y="2"/>
+                    <a:pt x="23" y="2"/>
+                  </a:cubicBezTo>
+                  <a:cubicBezTo>
+                    <a:pt x="32" y="1"/>
+                    <a:pt x="37" y="0"/>
+                    <a:pt x="43" y="0"/>
+                  </a:cubicBezTo>
+                  <a:cubicBezTo>
+                    <a:pt x="48" y="0"/>
+                    <a:pt x="48" y="0"/>
+                    <a:pt x="48" y="0"/>
+                  </a:cubicBezTo>
+                  <a:cubicBezTo>
+                    <a:pt x="54" y="1"/>
+                    <a:pt x="59" y="3"/>
+                    <a:pt x="62" y="4"/>
+                  </a:cubicBezTo>
+                  <a:cubicBezTo>
+                    <a:pt x="65" y="6"/>
+                    <a:pt x="66" y="9"/>
+                    <a:pt x="66" y="13"/>
+                  </a:cubicBezTo>
+                  <a:cubicBezTo>
+                    <a:pt x="66" y="15"/>
+                    <a:pt x="66" y="17"/>
+                    <a:pt x="66" y="20"/>
+                  </a:cubicBezTo>
+                  <a:cubicBezTo>
+                    <a:pt x="65" y="23"/>
+                    <a:pt x="64" y="26"/>
+                    <a:pt x="62" y="29"/>
+                  </a:cubicBezTo>
+                  <a:cubicBezTo>
+                    <a:pt x="60" y="31"/>
+                    <a:pt x="57" y="32"/>
+                    <a:pt x="53" y="33"/>
+                  </a:cubicBezTo>
+                  <a:close/>
+                </a:path>
+              </a:pathLst>
+            </a:custGeom>
+            <a:solidFill>
+              <a:schemeClr val="accent2"/>
+            </a:solidFill>
+            <a:ln>
+              <a:noFill/>
+            </a:ln>
+          </p:spPr>
+          <p:txBody>
+            <a:bodyPr vert="horz" wrap="square" lIns="91440" tIns="45720" rIns="91440" bIns="45720" numCol="1" anchor="t" anchorCtr="0" compatLnSpc="1">
+              <a:prstTxWarp prst="textNoShape">
+                <a:avLst/>
+              </a:prstTxWarp>
+            </a:bodyPr>
+            <a:lstStyle/>
+            <a:p>
+              <a:endParaRPr lang="en-US">
+                <a:solidFill>
+                  <a:schemeClr val="accent3"/>
+                </a:solidFill>
+              </a:endParaRPr>
+            </a:p>
+          </p:txBody>
+        </p:sp>
+        <p:sp>
+          <p:nvSpPr>
+            <p:cNvPr id="46" name="Freeform 84">
+              <a:extLst>
+                <a:ext uri="{FF2B5EF4-FFF2-40B4-BE49-F238E27FC236}">
+                  <a16:creationId xmlns:a16="http://schemas.microsoft.com/office/drawing/2014/main" id="{270C485D-6BA8-4BF7-B72C-2B14A43A6648}"/>
+                </a:ext>
+                <a:ext uri="{C183D7F6-B498-43B3-948B-1728B52AA6E4}">
+                  <adec:decorative xmlns:adec="http://schemas.microsoft.com/office/drawing/2017/decorative" val="1"/>
+                </a:ext>
+              </a:extLst>
+            </p:cNvPr>
+            <p:cNvSpPr>
+              <a:spLocks/>
+            </p:cNvSpPr>
+            <p:nvPr>
+              <p:extLst>
+                <p:ext uri="{386F3935-93C4-4BCD-93E2-E3B085C9AB24}">
+                  <p16:designElem xmlns:p16="http://schemas.microsoft.com/office/powerpoint/2015/main" val="1"/>
+                </p:ext>
+              </p:extLst>
+            </p:nvPr>
+          </p:nvSpPr>
+          <p:spPr bwMode="auto">
+            <a:xfrm rot="6274527">
+              <a:off x="6910134" y="5062687"/>
+              <a:ext cx="647637" cy="678578"/>
+            </a:xfrm>
+            <a:custGeom>
+              <a:avLst/>
+              <a:gdLst>
+                <a:gd name="T0" fmla="*/ 4 w 57"/>
+                <a:gd name="T1" fmla="*/ 34 h 60"/>
+                <a:gd name="T2" fmla="*/ 17 w 57"/>
+                <a:gd name="T3" fmla="*/ 18 h 60"/>
+                <a:gd name="T4" fmla="*/ 26 w 57"/>
+                <a:gd name="T5" fmla="*/ 8 h 60"/>
+                <a:gd name="T6" fmla="*/ 29 w 57"/>
+                <a:gd name="T7" fmla="*/ 5 h 60"/>
+                <a:gd name="T8" fmla="*/ 41 w 57"/>
+                <a:gd name="T9" fmla="*/ 0 h 60"/>
+                <a:gd name="T10" fmla="*/ 51 w 57"/>
+                <a:gd name="T11" fmla="*/ 6 h 60"/>
+                <a:gd name="T12" fmla="*/ 56 w 57"/>
+                <a:gd name="T13" fmla="*/ 16 h 60"/>
+                <a:gd name="T14" fmla="*/ 51 w 57"/>
+                <a:gd name="T15" fmla="*/ 28 h 60"/>
+                <a:gd name="T16" fmla="*/ 29 w 57"/>
+                <a:gd name="T17" fmla="*/ 53 h 60"/>
+                <a:gd name="T18" fmla="*/ 17 w 57"/>
+                <a:gd name="T19" fmla="*/ 59 h 60"/>
+                <a:gd name="T20" fmla="*/ 5 w 57"/>
+                <a:gd name="T21" fmla="*/ 54 h 60"/>
+                <a:gd name="T22" fmla="*/ 0 w 57"/>
+                <a:gd name="T23" fmla="*/ 45 h 60"/>
+                <a:gd name="T24" fmla="*/ 4 w 57"/>
+                <a:gd name="T25" fmla="*/ 34 h 60"/>
+              </a:gdLst>
+              <a:ahLst/>
+              <a:cxnLst>
+                <a:cxn ang="0">
+                  <a:pos x="T0" y="T1"/>
+                </a:cxn>
+                <a:cxn ang="0">
+                  <a:pos x="T2" y="T3"/>
+                </a:cxn>
+                <a:cxn ang="0">
+                  <a:pos x="T4" y="T5"/>
+                </a:cxn>
+                <a:cxn ang="0">
+                  <a:pos x="T6" y="T7"/>
+                </a:cxn>
+                <a:cxn ang="0">
+                  <a:pos x="T8" y="T9"/>
+                </a:cxn>
+                <a:cxn ang="0">
+                  <a:pos x="T10" y="T11"/>
+                </a:cxn>
+                <a:cxn ang="0">
+                  <a:pos x="T12" y="T13"/>
+                </a:cxn>
+                <a:cxn ang="0">
+                  <a:pos x="T14" y="T15"/>
+                </a:cxn>
+                <a:cxn ang="0">
+                  <a:pos x="T16" y="T17"/>
+                </a:cxn>
+                <a:cxn ang="0">
+                  <a:pos x="T18" y="T19"/>
+                </a:cxn>
+                <a:cxn ang="0">
+                  <a:pos x="T20" y="T21"/>
+                </a:cxn>
+                <a:cxn ang="0">
+                  <a:pos x="T22" y="T23"/>
+                </a:cxn>
+                <a:cxn ang="0">
+                  <a:pos x="T24" y="T25"/>
+                </a:cxn>
+              </a:cxnLst>
+              <a:rect l="0" t="0" r="r" b="b"/>
+              <a:pathLst>
+                <a:path w="57" h="60">
+                  <a:moveTo>
+                    <a:pt x="4" y="34"/>
+                  </a:moveTo>
+                  <a:cubicBezTo>
+                    <a:pt x="5" y="33"/>
+                    <a:pt x="17" y="18"/>
+                    <a:pt x="17" y="18"/>
+                  </a:cubicBezTo>
+                  <a:cubicBezTo>
+                    <a:pt x="21" y="14"/>
+                    <a:pt x="24" y="10"/>
+                    <a:pt x="26" y="8"/>
+                  </a:cubicBezTo>
+                  <a:cubicBezTo>
+                    <a:pt x="29" y="5"/>
+                    <a:pt x="29" y="5"/>
+                    <a:pt x="29" y="5"/>
+                  </a:cubicBezTo>
+                  <a:cubicBezTo>
+                    <a:pt x="34" y="2"/>
+                    <a:pt x="38" y="0"/>
+                    <a:pt x="41" y="0"/>
+                  </a:cubicBezTo>
+                  <a:cubicBezTo>
+                    <a:pt x="44" y="1"/>
+                    <a:pt x="47" y="2"/>
+                    <a:pt x="51" y="6"/>
+                  </a:cubicBezTo>
+                  <a:cubicBezTo>
+                    <a:pt x="55" y="10"/>
+                    <a:pt x="57" y="13"/>
+                    <a:pt x="56" y="16"/>
+                  </a:cubicBezTo>
+                  <a:cubicBezTo>
+                    <a:pt x="56" y="19"/>
+                    <a:pt x="54" y="23"/>
+                    <a:pt x="51" y="28"/>
+                  </a:cubicBezTo>
+                  <a:cubicBezTo>
+                    <a:pt x="51" y="28"/>
+                    <a:pt x="33" y="48"/>
+                    <a:pt x="29" y="53"/>
+                  </a:cubicBezTo>
+                  <a:cubicBezTo>
+                    <a:pt x="25" y="57"/>
+                    <a:pt x="21" y="59"/>
+                    <a:pt x="17" y="59"/>
+                  </a:cubicBezTo>
+                  <a:cubicBezTo>
+                    <a:pt x="13" y="60"/>
+                    <a:pt x="9" y="58"/>
+                    <a:pt x="5" y="54"/>
+                  </a:cubicBezTo>
+                  <a:cubicBezTo>
+                    <a:pt x="2" y="51"/>
+                    <a:pt x="0" y="48"/>
+                    <a:pt x="0" y="45"/>
+                  </a:cubicBezTo>
+                  <a:cubicBezTo>
+                    <a:pt x="0" y="42"/>
+                    <a:pt x="2" y="38"/>
+                    <a:pt x="4" y="34"/>
+                  </a:cubicBezTo>
+                  <a:close/>
+                </a:path>
+              </a:pathLst>
+            </a:custGeom>
+            <a:solidFill>
+              <a:schemeClr val="accent2"/>
+            </a:solidFill>
+            <a:ln>
+              <a:noFill/>
+            </a:ln>
+          </p:spPr>
+          <p:txBody>
+            <a:bodyPr vert="horz" wrap="square" lIns="91440" tIns="45720" rIns="91440" bIns="45720" numCol="1" anchor="t" anchorCtr="0" compatLnSpc="1">
+              <a:prstTxWarp prst="textNoShape">
+                <a:avLst/>
+              </a:prstTxWarp>
+            </a:bodyPr>
+            <a:lstStyle/>
+            <a:p>
+              <a:endParaRPr lang="en-US">
+                <a:solidFill>
+                  <a:schemeClr val="accent3"/>
+                </a:solidFill>
+              </a:endParaRPr>
+            </a:p>
+          </p:txBody>
+        </p:sp>
+        <p:sp>
+          <p:nvSpPr>
+            <p:cNvPr id="47" name="Freeform 87">
+              <a:extLst>
+                <a:ext uri="{FF2B5EF4-FFF2-40B4-BE49-F238E27FC236}">
+                  <a16:creationId xmlns:a16="http://schemas.microsoft.com/office/drawing/2014/main" id="{79239B91-4327-43B3-AED5-CB9EC1653B47}"/>
+                </a:ext>
+                <a:ext uri="{C183D7F6-B498-43B3-948B-1728B52AA6E4}">
+                  <adec:decorative xmlns:adec="http://schemas.microsoft.com/office/drawing/2017/decorative" val="1"/>
+                </a:ext>
+              </a:extLst>
+            </p:cNvPr>
+            <p:cNvSpPr>
+              <a:spLocks/>
+            </p:cNvSpPr>
+            <p:nvPr>
+              <p:extLst>
+                <p:ext uri="{386F3935-93C4-4BCD-93E2-E3B085C9AB24}">
+                  <p16:designElem xmlns:p16="http://schemas.microsoft.com/office/powerpoint/2015/main" val="1"/>
+                </p:ext>
+              </p:extLst>
+            </p:nvPr>
+          </p:nvSpPr>
+          <p:spPr bwMode="auto">
+            <a:xfrm rot="4430858">
+              <a:off x="4571743" y="5071596"/>
+              <a:ext cx="626472" cy="670149"/>
+            </a:xfrm>
+            <a:custGeom>
+              <a:avLst/>
+              <a:gdLst>
+                <a:gd name="T0" fmla="*/ 0 w 55"/>
+                <a:gd name="T1" fmla="*/ 17 h 59"/>
+                <a:gd name="T2" fmla="*/ 1 w 55"/>
+                <a:gd name="T3" fmla="*/ 11 h 59"/>
+                <a:gd name="T4" fmla="*/ 4 w 55"/>
+                <a:gd name="T5" fmla="*/ 6 h 59"/>
+                <a:gd name="T6" fmla="*/ 7 w 55"/>
+                <a:gd name="T7" fmla="*/ 4 h 59"/>
+                <a:gd name="T8" fmla="*/ 14 w 55"/>
+                <a:gd name="T9" fmla="*/ 0 h 59"/>
+                <a:gd name="T10" fmla="*/ 23 w 55"/>
+                <a:gd name="T11" fmla="*/ 3 h 59"/>
+                <a:gd name="T12" fmla="*/ 31 w 55"/>
+                <a:gd name="T13" fmla="*/ 11 h 59"/>
+                <a:gd name="T14" fmla="*/ 38 w 55"/>
+                <a:gd name="T15" fmla="*/ 20 h 59"/>
+                <a:gd name="T16" fmla="*/ 48 w 55"/>
+                <a:gd name="T17" fmla="*/ 31 h 59"/>
+                <a:gd name="T18" fmla="*/ 55 w 55"/>
+                <a:gd name="T19" fmla="*/ 43 h 59"/>
+                <a:gd name="T20" fmla="*/ 49 w 55"/>
+                <a:gd name="T21" fmla="*/ 55 h 59"/>
+                <a:gd name="T22" fmla="*/ 38 w 55"/>
+                <a:gd name="T23" fmla="*/ 59 h 59"/>
+                <a:gd name="T24" fmla="*/ 33 w 55"/>
+                <a:gd name="T25" fmla="*/ 58 h 59"/>
+                <a:gd name="T26" fmla="*/ 26 w 55"/>
+                <a:gd name="T27" fmla="*/ 53 h 59"/>
+                <a:gd name="T28" fmla="*/ 5 w 55"/>
+                <a:gd name="T29" fmla="*/ 27 h 59"/>
+                <a:gd name="T30" fmla="*/ 0 w 55"/>
+                <a:gd name="T31" fmla="*/ 17 h 59"/>
+              </a:gdLst>
+              <a:ahLst/>
+              <a:cxnLst>
+                <a:cxn ang="0">
+                  <a:pos x="T0" y="T1"/>
+                </a:cxn>
+                <a:cxn ang="0">
+                  <a:pos x="T2" y="T3"/>
+                </a:cxn>
+                <a:cxn ang="0">
+                  <a:pos x="T4" y="T5"/>
+                </a:cxn>
+                <a:cxn ang="0">
+                  <a:pos x="T6" y="T7"/>
+                </a:cxn>
+                <a:cxn ang="0">
+                  <a:pos x="T8" y="T9"/>
+                </a:cxn>
+                <a:cxn ang="0">
+                  <a:pos x="T10" y="T11"/>
+                </a:cxn>
+                <a:cxn ang="0">
+                  <a:pos x="T12" y="T13"/>
+                </a:cxn>
+                <a:cxn ang="0">
+                  <a:pos x="T14" y="T15"/>
+                </a:cxn>
+                <a:cxn ang="0">
+                  <a:pos x="T16" y="T17"/>
+                </a:cxn>
+                <a:cxn ang="0">
+                  <a:pos x="T18" y="T19"/>
+                </a:cxn>
+                <a:cxn ang="0">
+                  <a:pos x="T20" y="T21"/>
+                </a:cxn>
+                <a:cxn ang="0">
+                  <a:pos x="T22" y="T23"/>
+                </a:cxn>
+                <a:cxn ang="0">
+                  <a:pos x="T24" y="T25"/>
+                </a:cxn>
+                <a:cxn ang="0">
+                  <a:pos x="T26" y="T27"/>
+                </a:cxn>
+                <a:cxn ang="0">
+                  <a:pos x="T28" y="T29"/>
+                </a:cxn>
+                <a:cxn ang="0">
+                  <a:pos x="T30" y="T31"/>
+                </a:cxn>
+              </a:cxnLst>
+              <a:rect l="0" t="0" r="r" b="b"/>
+              <a:pathLst>
+                <a:path w="55" h="59">
+                  <a:moveTo>
+                    <a:pt x="0" y="17"/>
+                  </a:moveTo>
+                  <a:cubicBezTo>
+                    <a:pt x="0" y="14"/>
+                    <a:pt x="0" y="12"/>
+                    <a:pt x="1" y="11"/>
+                  </a:cubicBezTo>
+                  <a:cubicBezTo>
+                    <a:pt x="2" y="9"/>
+                    <a:pt x="3" y="8"/>
+                    <a:pt x="4" y="6"/>
+                  </a:cubicBezTo>
+                  <a:cubicBezTo>
+                    <a:pt x="6" y="5"/>
+                    <a:pt x="7" y="4"/>
+                    <a:pt x="7" y="4"/>
+                  </a:cubicBezTo>
+                  <a:cubicBezTo>
+                    <a:pt x="9" y="2"/>
+                    <a:pt x="12" y="1"/>
+                    <a:pt x="14" y="0"/>
+                  </a:cubicBezTo>
+                  <a:cubicBezTo>
+                    <a:pt x="17" y="0"/>
+                    <a:pt x="20" y="1"/>
+                    <a:pt x="23" y="3"/>
+                  </a:cubicBezTo>
+                  <a:cubicBezTo>
+                    <a:pt x="26" y="4"/>
+                    <a:pt x="29" y="7"/>
+                    <a:pt x="31" y="11"/>
+                  </a:cubicBezTo>
+                  <a:cubicBezTo>
+                    <a:pt x="38" y="20"/>
+                    <a:pt x="38" y="20"/>
+                    <a:pt x="38" y="20"/>
+                  </a:cubicBezTo>
+                  <a:cubicBezTo>
+                    <a:pt x="48" y="31"/>
+                    <a:pt x="48" y="31"/>
+                    <a:pt x="48" y="31"/>
+                  </a:cubicBezTo>
+                  <a:cubicBezTo>
+                    <a:pt x="52" y="36"/>
+                    <a:pt x="54" y="40"/>
+                    <a:pt x="55" y="43"/>
+                  </a:cubicBezTo>
+                  <a:cubicBezTo>
+                    <a:pt x="55" y="47"/>
+                    <a:pt x="54" y="52"/>
+                    <a:pt x="49" y="55"/>
+                  </a:cubicBezTo>
+                  <a:cubicBezTo>
+                    <a:pt x="45" y="58"/>
+                    <a:pt x="41" y="59"/>
+                    <a:pt x="38" y="59"/>
+                  </a:cubicBezTo>
+                  <a:cubicBezTo>
+                    <a:pt x="37" y="59"/>
+                    <a:pt x="35" y="59"/>
+                    <a:pt x="33" y="58"/>
+                  </a:cubicBezTo>
+                  <a:cubicBezTo>
+                    <a:pt x="31" y="57"/>
+                    <a:pt x="29" y="55"/>
+                    <a:pt x="26" y="53"/>
+                  </a:cubicBezTo>
+                  <a:cubicBezTo>
+                    <a:pt x="23" y="50"/>
+                    <a:pt x="5" y="27"/>
+                    <a:pt x="5" y="27"/>
+                  </a:cubicBezTo>
+                  <a:cubicBezTo>
+                    <a:pt x="2" y="23"/>
+                    <a:pt x="0" y="19"/>
+                    <a:pt x="0" y="17"/>
+                  </a:cubicBezTo>
+                  <a:close/>
+                </a:path>
+              </a:pathLst>
+            </a:custGeom>
+            <a:solidFill>
+              <a:schemeClr val="accent2"/>
+            </a:solidFill>
+            <a:ln>
+              <a:noFill/>
+            </a:ln>
+          </p:spPr>
+          <p:txBody>
+            <a:bodyPr vert="horz" wrap="square" lIns="91440" tIns="45720" rIns="91440" bIns="45720" numCol="1" anchor="t" anchorCtr="0" compatLnSpc="1">
+              <a:prstTxWarp prst="textNoShape">
+                <a:avLst/>
+              </a:prstTxWarp>
+            </a:bodyPr>
+            <a:lstStyle/>
+            <a:p>
+              <a:endParaRPr lang="en-US">
+                <a:solidFill>
+                  <a:schemeClr val="accent3"/>
+                </a:solidFill>
+              </a:endParaRPr>
+            </a:p>
+          </p:txBody>
+        </p:sp>
+      </p:grpSp>
+      <p:pic>
+        <p:nvPicPr>
+          <p:cNvPr id="5" name="Content Placeholder 4" descr="A screenshot of a video game&#10;&#10;Description automatically generated">
+            <a:extLst>
+              <a:ext uri="{FF2B5EF4-FFF2-40B4-BE49-F238E27FC236}">
+                <a16:creationId xmlns:a16="http://schemas.microsoft.com/office/drawing/2014/main" id="{960E7808-FC13-5DBF-50EE-871432B355E5}"/>
+              </a:ext>
+            </a:extLst>
+          </p:cNvPr>
+          <p:cNvPicPr>
+            <a:picLocks noChangeAspect="1"/>
+          </p:cNvPicPr>
+          <p:nvPr/>
+        </p:nvPicPr>
+        <p:blipFill rotWithShape="1">
+          <a:blip r:embed="rId4">
+            <a:extLst>
+              <a:ext uri="{28A0092B-C50C-407E-A947-70E740481C1C}">
+                <a14:useLocalDpi xmlns:a14="http://schemas.microsoft.com/office/drawing/2010/main" val="0"/>
+              </a:ext>
+            </a:extLst>
+          </a:blip>
+          <a:srcRect r="3" b="31253"/>
+          <a:stretch/>
+        </p:blipFill>
+        <p:spPr>
+          <a:xfrm>
+            <a:off x="6434197" y="4572000"/>
+            <a:ext cx="5757802" cy="2286000"/>
+          </a:xfrm>
+          <a:custGeom>
+            <a:avLst/>
+            <a:gdLst/>
+            <a:ahLst/>
+            <a:cxnLst/>
+            <a:rect l="l" t="t" r="r" b="b"/>
+            <a:pathLst>
+              <a:path w="5757802" h="2286000">
+                <a:moveTo>
+                  <a:pt x="15254" y="0"/>
+                </a:moveTo>
+                <a:lnTo>
+                  <a:pt x="5757802" y="0"/>
+                </a:lnTo>
+                <a:lnTo>
+                  <a:pt x="5757802" y="2286000"/>
+                </a:lnTo>
+                <a:lnTo>
+                  <a:pt x="1157758" y="2286000"/>
+                </a:lnTo>
+                <a:lnTo>
+                  <a:pt x="0" y="2286000"/>
+                </a:lnTo>
+                <a:lnTo>
+                  <a:pt x="2585" y="2195338"/>
+                </a:lnTo>
+                <a:cubicBezTo>
+                  <a:pt x="6258" y="2081137"/>
+                  <a:pt x="10457" y="1964008"/>
+                  <a:pt x="15254" y="1843876"/>
+                </a:cubicBezTo>
+                <a:cubicBezTo>
+                  <a:pt x="53637" y="1075029"/>
+                  <a:pt x="53637" y="1075029"/>
+                  <a:pt x="53637" y="1075029"/>
+                </a:cubicBezTo>
+                <a:cubicBezTo>
+                  <a:pt x="53637" y="921260"/>
+                  <a:pt x="15254" y="767490"/>
+                  <a:pt x="15254" y="575279"/>
+                </a:cubicBezTo>
+                <a:cubicBezTo>
+                  <a:pt x="15254" y="383067"/>
+                  <a:pt x="15254" y="229298"/>
+                  <a:pt x="15254" y="190855"/>
+                </a:cubicBezTo>
+                <a:cubicBezTo>
+                  <a:pt x="15254" y="128386"/>
+                  <a:pt x="15254" y="69822"/>
+                  <a:pt x="15254" y="14917"/>
+                </a:cubicBezTo>
+                <a:close/>
+              </a:path>
+            </a:pathLst>
+          </a:custGeom>
+        </p:spPr>
+      </p:pic>
+    </p:spTree>
+    <p:extLst>
+      <p:ext uri="{BB962C8B-B14F-4D97-AF65-F5344CB8AC3E}">
+        <p14:creationId xmlns:p14="http://schemas.microsoft.com/office/powerpoint/2010/main" val="344367512"/>
+      </p:ext>
+    </p:extLst>
+  </p:cSld>
+  <p:clrMapOvr>
+    <a:masterClrMapping/>
+  </p:clrMapOvr>
+</p:sld>
+</file>
+
+<file path=ppt/slides/slide6.xml><?xml version="1.0" encoding="utf-8"?>
+<p:sld xmlns:a="http://schemas.openxmlformats.org/drawingml/2006/main" xmlns:r="http://schemas.openxmlformats.org/officeDocument/2006/relationships" xmlns:p="http://schemas.openxmlformats.org/presentationml/2006/main">
+  <p:cSld>
+    <p:spTree>
+      <p:nvGrpSpPr>
+        <p:cNvPr id="1" name=""/>
+        <p:cNvGrpSpPr/>
+        <p:nvPr/>
+      </p:nvGrpSpPr>
+      <p:grpSpPr>
+        <a:xfrm>
+          <a:off x="0" y="0"/>
+          <a:ext cx="0" cy="0"/>
+          <a:chOff x="0" y="0"/>
+          <a:chExt cx="0" cy="0"/>
+        </a:xfrm>
+      </p:grpSpPr>
+      <p:sp>
+        <p:nvSpPr>
           <p:cNvPr id="2" name="Titel 1">
             <a:extLst>
               <a:ext uri="{FF2B5EF4-FFF2-40B4-BE49-F238E27FC236}">
@@ -5976,7 +7759,105 @@
 </p:sld>
 </file>
 
-<file path=ppt/slides/slide6.xml><?xml version="1.0" encoding="utf-8"?>
+<file path=ppt/slides/slide7.xml><?xml version="1.0" encoding="utf-8"?>
+<p:sld xmlns:a="http://schemas.openxmlformats.org/drawingml/2006/main" xmlns:r="http://schemas.openxmlformats.org/officeDocument/2006/relationships" xmlns:p="http://schemas.openxmlformats.org/presentationml/2006/main">
+  <p:cSld>
+    <p:spTree>
+      <p:nvGrpSpPr>
+        <p:cNvPr id="1" name=""/>
+        <p:cNvGrpSpPr/>
+        <p:nvPr/>
+      </p:nvGrpSpPr>
+      <p:grpSpPr>
+        <a:xfrm>
+          <a:off x="0" y="0"/>
+          <a:ext cx="0" cy="0"/>
+          <a:chOff x="0" y="0"/>
+          <a:chExt cx="0" cy="0"/>
+        </a:xfrm>
+      </p:grpSpPr>
+      <p:sp>
+        <p:nvSpPr>
+          <p:cNvPr id="2" name="Title 1">
+            <a:extLst>
+              <a:ext uri="{FF2B5EF4-FFF2-40B4-BE49-F238E27FC236}">
+                <a16:creationId xmlns:a16="http://schemas.microsoft.com/office/drawing/2014/main" id="{16AD5D9B-2AF6-B963-2286-80E150F5328D}"/>
+              </a:ext>
+            </a:extLst>
+          </p:cNvPr>
+          <p:cNvSpPr>
+            <a:spLocks noGrp="1"/>
+          </p:cNvSpPr>
+          <p:nvPr>
+            <p:ph type="title"/>
+          </p:nvPr>
+        </p:nvSpPr>
+        <p:spPr/>
+        <p:txBody>
+          <a:bodyPr/>
+          <a:lstStyle/>
+          <a:p>
+            <a:r>
+              <a:rPr lang="de-DE" dirty="0"/>
+              <a:t>Zeit-/ Meilensteinplan</a:t>
+            </a:r>
+          </a:p>
+        </p:txBody>
+      </p:sp>
+      <p:sp>
+        <p:nvSpPr>
+          <p:cNvPr id="3" name="Content Placeholder 2">
+            <a:extLst>
+              <a:ext uri="{FF2B5EF4-FFF2-40B4-BE49-F238E27FC236}">
+                <a16:creationId xmlns:a16="http://schemas.microsoft.com/office/drawing/2014/main" id="{01067188-6972-9559-74E3-D20D8BA9723D}"/>
+              </a:ext>
+            </a:extLst>
+          </p:cNvPr>
+          <p:cNvSpPr>
+            <a:spLocks noGrp="1"/>
+          </p:cNvSpPr>
+          <p:nvPr>
+            <p:ph idx="1"/>
+          </p:nvPr>
+        </p:nvSpPr>
+        <p:spPr/>
+        <p:txBody>
+          <a:bodyPr/>
+          <a:lstStyle/>
+          <a:p>
+            <a:r>
+              <a:rPr lang="de-DE" dirty="0"/>
+              <a:t>Levelauswahlmenü</a:t>
+            </a:r>
+          </a:p>
+          <a:p>
+            <a:r>
+              <a:rPr lang="de-DE" dirty="0"/>
+              <a:t>Bosskampf </a:t>
+            </a:r>
+          </a:p>
+          <a:p>
+            <a:r>
+              <a:rPr lang="de-DE" dirty="0"/>
+              <a:t>Dokumentation </a:t>
+            </a:r>
+          </a:p>
+        </p:txBody>
+      </p:sp>
+    </p:spTree>
+    <p:extLst>
+      <p:ext uri="{BB962C8B-B14F-4D97-AF65-F5344CB8AC3E}">
+        <p14:creationId xmlns:p14="http://schemas.microsoft.com/office/powerpoint/2010/main" val="3969365439"/>
+      </p:ext>
+    </p:extLst>
+  </p:cSld>
+  <p:clrMapOvr>
+    <a:masterClrMapping/>
+  </p:clrMapOvr>
+</p:sld>
+</file>
+
+<file path=ppt/slides/slide8.xml><?xml version="1.0" encoding="utf-8"?>
 <p:sld xmlns:a="http://schemas.openxmlformats.org/drawingml/2006/main" xmlns:r="http://schemas.openxmlformats.org/officeDocument/2006/relationships" xmlns:p="http://schemas.openxmlformats.org/presentationml/2006/main">
   <p:cSld>
     <p:bg>

--- a/Spieleprogrammierung_Abschlusspräsentation.pptx
+++ b/Spieleprogrammierung_Abschlusspräsentation.pptx
@@ -324,7 +324,7 @@
           <a:p>
             <a:fld id="{1621B6DD-29C1-4FEA-923F-71EA1347694C}" type="slidenum">
               <a:rPr lang="en-US" smtClean="0"/>
-              <a:t>‹#›</a:t>
+              <a:t>‹Nr.›</a:t>
             </a:fld>
             <a:endParaRPr lang="en-US"/>
           </a:p>
@@ -526,7 +526,7 @@
           <a:p>
             <a:fld id="{1621B6DD-29C1-4FEA-923F-71EA1347694C}" type="slidenum">
               <a:rPr lang="en-US" smtClean="0"/>
-              <a:t>‹#›</a:t>
+              <a:t>‹Nr.›</a:t>
             </a:fld>
             <a:endParaRPr lang="en-US"/>
           </a:p>
@@ -739,7 +739,7 @@
           <a:p>
             <a:fld id="{1621B6DD-29C1-4FEA-923F-71EA1347694C}" type="slidenum">
               <a:rPr lang="en-US" smtClean="0"/>
-              <a:t>‹#›</a:t>
+              <a:t>‹Nr.›</a:t>
             </a:fld>
             <a:endParaRPr lang="en-US"/>
           </a:p>
@@ -942,7 +942,7 @@
           <a:p>
             <a:fld id="{1621B6DD-29C1-4FEA-923F-71EA1347694C}" type="slidenum">
               <a:rPr lang="en-US" smtClean="0"/>
-              <a:t>‹#›</a:t>
+              <a:t>‹Nr.›</a:t>
             </a:fld>
             <a:endParaRPr lang="en-US"/>
           </a:p>
@@ -1221,7 +1221,7 @@
           <a:p>
             <a:fld id="{1621B6DD-29C1-4FEA-923F-71EA1347694C}" type="slidenum">
               <a:rPr lang="en-US" smtClean="0"/>
-              <a:t>‹#›</a:t>
+              <a:t>‹Nr.›</a:t>
             </a:fld>
             <a:endParaRPr lang="en-US"/>
           </a:p>
@@ -1480,7 +1480,7 @@
           <a:p>
             <a:fld id="{1621B6DD-29C1-4FEA-923F-71EA1347694C}" type="slidenum">
               <a:rPr lang="en-US" smtClean="0"/>
-              <a:t>‹#›</a:t>
+              <a:t>‹Nr.›</a:t>
             </a:fld>
             <a:endParaRPr lang="en-US"/>
           </a:p>
@@ -1896,7 +1896,7 @@
           <a:p>
             <a:fld id="{1621B6DD-29C1-4FEA-923F-71EA1347694C}" type="slidenum">
               <a:rPr lang="en-US" smtClean="0"/>
-              <a:t>‹#›</a:t>
+              <a:t>‹Nr.›</a:t>
             </a:fld>
             <a:endParaRPr lang="en-US"/>
           </a:p>
@@ -2041,7 +2041,7 @@
           <a:p>
             <a:fld id="{1621B6DD-29C1-4FEA-923F-71EA1347694C}" type="slidenum">
               <a:rPr lang="en-US" smtClean="0"/>
-              <a:t>‹#›</a:t>
+              <a:t>‹Nr.›</a:t>
             </a:fld>
             <a:endParaRPr lang="en-US"/>
           </a:p>
@@ -2163,7 +2163,7 @@
           <a:p>
             <a:fld id="{1621B6DD-29C1-4FEA-923F-71EA1347694C}" type="slidenum">
               <a:rPr lang="en-US" smtClean="0"/>
-              <a:t>‹#›</a:t>
+              <a:t>‹Nr.›</a:t>
             </a:fld>
             <a:endParaRPr lang="en-US"/>
           </a:p>
@@ -2486,7 +2486,7 @@
           <a:p>
             <a:fld id="{1621B6DD-29C1-4FEA-923F-71EA1347694C}" type="slidenum">
               <a:rPr lang="en-US" smtClean="0"/>
-              <a:t>‹#›</a:t>
+              <a:t>‹Nr.›</a:t>
             </a:fld>
             <a:endParaRPr lang="en-US"/>
           </a:p>
@@ -2774,7 +2774,7 @@
           <a:p>
             <a:fld id="{1621B6DD-29C1-4FEA-923F-71EA1347694C}" type="slidenum">
               <a:rPr lang="en-US" smtClean="0"/>
-              <a:t>‹#›</a:t>
+              <a:t>‹Nr.›</a:t>
             </a:fld>
             <a:endParaRPr lang="en-US"/>
           </a:p>
@@ -3089,7 +3089,7 @@
             <a:fld id="{1621B6DD-29C1-4FEA-923F-71EA1347694C}" type="slidenum">
               <a:rPr lang="en-US" smtClean="0"/>
               <a:pPr/>
-              <a:t>‹#›</a:t>
+              <a:t>‹Nr.›</a:t>
             </a:fld>
             <a:endParaRPr lang="en-US" dirty="0"/>
           </a:p>
@@ -3553,7 +3553,7 @@
             </a:br>
             <a:r>
               <a:rPr lang="de-DE" dirty="0"/>
-              <a:t>Zwischenpräsentation</a:t>
+              <a:t>Abschlusspräsentation</a:t>
             </a:r>
           </a:p>
         </p:txBody>
